--- a/Assignment_01/Assignment_01_Presentation.pptx
+++ b/Assignment_01/Assignment_01_Presentation.pptx
@@ -16,6 +16,7 @@
     <p:sldId id="264" r:id="rId15"/>
     <p:sldId id="265" r:id="rId16"/>
     <p:sldId id="266" r:id="rId17"/>
+    <p:sldId id="267" r:id="rId18"/>
   </p:sldIdLst>
   <p:sldSz cx="9144000" cy="6858000" type="screen4x3"/>
   <p:notesSz cx="6858000" cy="9144000"/>
@@ -3189,7 +3190,7 @@
           <a:lstStyle/>
           <a:p>
             <a:r>
-              <a:t>Feedback and its Analysis</a:t>
+              <a:t>Deployment Strategy</a:t>
             </a:r>
           </a:p>
         </p:txBody>
@@ -3210,12 +3211,17 @@
           <a:lstStyle/>
           <a:p>
             <a:r>
-              <a:t>• No user feedback collected in this data collection phase</a:t>
-            </a:r>
-          </a:p>
-          <a:p>
-            <a:r>
-              <a:t>• Feedback will be gathered in later assignments during deployment</a:t>
+              <a:t>• No deployment in this assignment</a:t>
+            </a:r>
+          </a:p>
+          <a:p>
+            <a:r>
+              <a:t>• Cleaned data will be used in Assignment 02 for EDA</a:t>
+            </a:r>
+          </a:p>
+          <a:p>
+            <a:r>
+              <a:t>• Data quality ensures reliable model training in future assignments</a:t>
             </a:r>
           </a:p>
         </p:txBody>
@@ -3254,6 +3260,71 @@
           <a:lstStyle/>
           <a:p>
             <a:r>
+              <a:t>Feedback and its Analysis</a:t>
+            </a:r>
+          </a:p>
+        </p:txBody>
+      </p:sp>
+      <p:sp>
+        <p:nvSpPr>
+          <p:cNvPr id="3" name="Content Placeholder 2"/>
+          <p:cNvSpPr>
+            <a:spLocks noGrp="1"/>
+          </p:cNvSpPr>
+          <p:nvPr>
+            <p:ph idx="1"/>
+          </p:nvPr>
+        </p:nvSpPr>
+        <p:spPr/>
+        <p:txBody>
+          <a:bodyPr/>
+          <a:lstStyle/>
+          <a:p>
+            <a:r>
+              <a:t>• No user feedback collected in this data collection phase</a:t>
+            </a:r>
+          </a:p>
+          <a:p>
+            <a:r>
+              <a:t>• Feedback will be gathered in later assignments during deployment</a:t>
+            </a:r>
+          </a:p>
+        </p:txBody>
+      </p:sp>
+    </p:spTree>
+  </p:cSld>
+  <p:clrMapOvr>
+    <a:masterClrMapping/>
+  </p:clrMapOvr>
+</p:sld>
+</file>
+
+<file path=ppt/slides/slide12.xml><?xml version="1.0" encoding="utf-8"?>
+<p:sld xmlns:a="http://schemas.openxmlformats.org/drawingml/2006/main" xmlns:p="http://schemas.openxmlformats.org/presentationml/2006/main" xmlns:r="http://schemas.openxmlformats.org/officeDocument/2006/relationships">
+  <p:cSld>
+    <p:spTree>
+      <p:nvGrpSpPr>
+        <p:cNvPr id="1" name=""/>
+        <p:cNvGrpSpPr/>
+        <p:nvPr/>
+      </p:nvGrpSpPr>
+      <p:grpSpPr/>
+      <p:sp>
+        <p:nvSpPr>
+          <p:cNvPr id="2" name="Title 1"/>
+          <p:cNvSpPr>
+            <a:spLocks noGrp="1"/>
+          </p:cNvSpPr>
+          <p:nvPr>
+            <p:ph type="title"/>
+          </p:nvPr>
+        </p:nvSpPr>
+        <p:spPr/>
+        <p:txBody>
+          <a:bodyPr/>
+          <a:lstStyle/>
+          <a:p>
+            <a:r>
               <a:t>Future Goals</a:t>
             </a:r>
           </a:p>
@@ -3538,21 +3609,6 @@
               <a:t>• Step 4: Check for missing values in numeric and object columns</a:t>
             </a:r>
           </a:p>
-          <a:p>
-            <a:r>
-              <a:t>• Step 5: Identify and handle duplicate records</a:t>
-            </a:r>
-          </a:p>
-          <a:p>
-            <a:r>
-              <a:t>• Step 6: Clean null, empty, and invalid values</a:t>
-            </a:r>
-          </a:p>
-          <a:p>
-            <a:r>
-              <a:t>• Step 7: Save the cleaned dataset</a:t>
-            </a:r>
-          </a:p>
         </p:txBody>
       </p:sp>
     </p:spTree>
@@ -3589,7 +3645,7 @@
           <a:lstStyle/>
           <a:p>
             <a:r>
-              <a:t>Preprocessing Techniques</a:t>
+              <a:t>Your Project Methodology (continued)</a:t>
             </a:r>
           </a:p>
         </p:txBody>
@@ -3610,27 +3666,17 @@
           <a:lstStyle/>
           <a:p>
             <a:r>
-              <a:t>• Missing Value Handling: Fill numeric NaNs with 0, object NaNs with '0'</a:t>
-            </a:r>
-          </a:p>
-          <a:p>
-            <a:r>
-              <a:t>• String Cleaning: Strip whitespace and replace empty strings with '0'</a:t>
-            </a:r>
-          </a:p>
-          <a:p>
-            <a:r>
-              <a:t>• Duplicate Removal: Check for duplicate addresses (found 25 duplicates)</a:t>
-            </a:r>
-          </a:p>
-          <a:p>
-            <a:r>
-              <a:t>• Data Type Consistency: Ensure proper data types for analysis</a:t>
-            </a:r>
-          </a:p>
-          <a:p>
-            <a:r>
-              <a:t>• Column Standardization: Clean column names for consistency</a:t>
+              <a:t>• Step 5: Identify and handle duplicate records</a:t>
+            </a:r>
+          </a:p>
+          <a:p>
+            <a:r>
+              <a:t>• Step 6: Clean null, empty, and invalid values</a:t>
+            </a:r>
+          </a:p>
+          <a:p>
+            <a:r>
+              <a:t>• Step 7: Save the cleaned dataset</a:t>
             </a:r>
           </a:p>
         </p:txBody>
@@ -3669,7 +3715,7 @@
           <a:lstStyle/>
           <a:p>
             <a:r>
-              <a:t>Models</a:t>
+              <a:t>Preprocessing Techniques</a:t>
             </a:r>
           </a:p>
         </p:txBody>
@@ -3690,17 +3736,27 @@
           <a:lstStyle/>
           <a:p>
             <a:r>
-              <a:t>• No machine learning models developed in this assignment</a:t>
-            </a:r>
-          </a:p>
-          <a:p>
-            <a:r>
-              <a:t>• Focus was on data preparation</a:t>
-            </a:r>
-          </a:p>
-          <a:p>
-            <a:r>
-              <a:t>• Models will be built in subsequent assignments using the cleaned data</a:t>
+              <a:t>• Missing Value Handling: Fill numeric NaNs with 0, object NaNs with '0'</a:t>
+            </a:r>
+          </a:p>
+          <a:p>
+            <a:r>
+              <a:t>• String Cleaning: Strip whitespace and replace empty strings with '0'</a:t>
+            </a:r>
+          </a:p>
+          <a:p>
+            <a:r>
+              <a:t>• Duplicate Removal: Check for duplicate addresses (found 25 duplicates)</a:t>
+            </a:r>
+          </a:p>
+          <a:p>
+            <a:r>
+              <a:t>• Data Type Consistency: Ensure proper data types for analysis</a:t>
+            </a:r>
+          </a:p>
+          <a:p>
+            <a:r>
+              <a:t>• Column Standardization: Clean column names for consistency</a:t>
             </a:r>
           </a:p>
         </p:txBody>
@@ -3739,7 +3795,7 @@
           <a:lstStyle/>
           <a:p>
             <a:r>
-              <a:t>Results</a:t>
+              <a:t>Models</a:t>
             </a:r>
           </a:p>
         </p:txBody>
@@ -3760,32 +3816,17 @@
           <a:lstStyle/>
           <a:p>
             <a:r>
-              <a:t>• Dataset Shape: 9841 rows × 49 columns</a:t>
-            </a:r>
-          </a:p>
-          <a:p>
-            <a:r>
-              <a:t>• No duplicate records found across all columns</a:t>
-            </a:r>
-          </a:p>
-          <a:p>
-            <a:r>
-              <a:t>• 25 duplicate addresses identified</a:t>
-            </a:r>
-          </a:p>
-          <a:p>
-            <a:r>
-              <a:t>• Missing values handled appropriately</a:t>
-            </a:r>
-          </a:p>
-          <a:p>
-            <a:r>
-              <a:t>• Cleaned dataset saved as 'Cleaned_Ethereum_Fraud_Detection.csv'</a:t>
-            </a:r>
-          </a:p>
-          <a:p>
-            <a:r>
-              <a:t>• Data ready for exploratory data analysis</a:t>
+              <a:t>• No machine learning models developed in this assignment</a:t>
+            </a:r>
+          </a:p>
+          <a:p>
+            <a:r>
+              <a:t>• Focus was on data preparation</a:t>
+            </a:r>
+          </a:p>
+          <a:p>
+            <a:r>
+              <a:t>• Models will be built in subsequent assignments using the cleaned data</a:t>
             </a:r>
           </a:p>
         </p:txBody>
@@ -3824,7 +3865,7 @@
           <a:lstStyle/>
           <a:p>
             <a:r>
-              <a:t>Your Findings and Conclusions</a:t>
+              <a:t>Results</a:t>
             </a:r>
           </a:p>
         </p:txBody>
@@ -3845,32 +3886,32 @@
           <a:lstStyle/>
           <a:p>
             <a:r>
-              <a:t>• Dataset contains comprehensive transactional features</a:t>
-            </a:r>
-          </a:p>
-          <a:p>
-            <a:r>
-              <a:t>• Minimal data quality issues found</a:t>
-            </a:r>
-          </a:p>
-          <a:p>
-            <a:r>
-              <a:t>• FLAG column has no missing values, indicating reliable target variable</a:t>
-            </a:r>
-          </a:p>
-          <a:p>
-            <a:r>
-              <a:t>• ERC20 token interactions show some missing data patterns</a:t>
-            </a:r>
-          </a:p>
-          <a:p>
-            <a:r>
-              <a:t>• Data cleaning preserved all important information</a:t>
-            </a:r>
-          </a:p>
-          <a:p>
-            <a:r>
-              <a:t>• Foundation established for fraud detection analysis</a:t>
+              <a:t>• Dataset Shape: 9841 rows × 49 columns</a:t>
+            </a:r>
+          </a:p>
+          <a:p>
+            <a:r>
+              <a:t>• No duplicate records found across all columns</a:t>
+            </a:r>
+          </a:p>
+          <a:p>
+            <a:r>
+              <a:t>• 25 duplicate addresses identified</a:t>
+            </a:r>
+          </a:p>
+          <a:p>
+            <a:r>
+              <a:t>• Missing values handled appropriately</a:t>
+            </a:r>
+          </a:p>
+          <a:p>
+            <a:r>
+              <a:t>• Cleaned dataset saved as 'Cleaned_Ethereum_Fraud_Detection.csv'</a:t>
+            </a:r>
+          </a:p>
+          <a:p>
+            <a:r>
+              <a:t>• Data ready for exploratory data analysis</a:t>
             </a:r>
           </a:p>
         </p:txBody>
@@ -3909,7 +3950,7 @@
           <a:lstStyle/>
           <a:p>
             <a:r>
-              <a:t>Deployment Strategy</a:t>
+              <a:t>Your Findings and Conclusions</a:t>
             </a:r>
           </a:p>
         </p:txBody>
@@ -3930,17 +3971,32 @@
           <a:lstStyle/>
           <a:p>
             <a:r>
-              <a:t>• No deployment in this assignment</a:t>
-            </a:r>
-          </a:p>
-          <a:p>
-            <a:r>
-              <a:t>• Cleaned data will be used in Assignment 02 for EDA</a:t>
-            </a:r>
-          </a:p>
-          <a:p>
-            <a:r>
-              <a:t>• Data quality ensures reliable model training in future assignments</a:t>
+              <a:t>• Dataset contains comprehensive transactional features</a:t>
+            </a:r>
+          </a:p>
+          <a:p>
+            <a:r>
+              <a:t>• Minimal data quality issues found</a:t>
+            </a:r>
+          </a:p>
+          <a:p>
+            <a:r>
+              <a:t>• FLAG column has no missing values, indicating reliable target variable</a:t>
+            </a:r>
+          </a:p>
+          <a:p>
+            <a:r>
+              <a:t>• ERC20 token interactions show some missing data patterns</a:t>
+            </a:r>
+          </a:p>
+          <a:p>
+            <a:r>
+              <a:t>• Data cleaning preserved all important information</a:t>
+            </a:r>
+          </a:p>
+          <a:p>
+            <a:r>
+              <a:t>• Foundation established for fraud detection analysis</a:t>
             </a:r>
           </a:p>
         </p:txBody>

--- a/Assignment_01/Assignment_01_Presentation.pptx
+++ b/Assignment_01/Assignment_01_Presentation.pptx
@@ -5,18 +5,19 @@
     <p:sldMasterId id="2147483648" r:id="rId1"/>
   </p:sldMasterIdLst>
   <p:sldIdLst>
-    <p:sldId id="256" r:id="rId7"/>
-    <p:sldId id="257" r:id="rId8"/>
-    <p:sldId id="258" r:id="rId9"/>
-    <p:sldId id="259" r:id="rId10"/>
-    <p:sldId id="260" r:id="rId11"/>
-    <p:sldId id="261" r:id="rId12"/>
-    <p:sldId id="262" r:id="rId13"/>
-    <p:sldId id="263" r:id="rId14"/>
-    <p:sldId id="264" r:id="rId15"/>
-    <p:sldId id="265" r:id="rId16"/>
-    <p:sldId id="266" r:id="rId17"/>
-    <p:sldId id="267" r:id="rId18"/>
+    <p:sldId id="268" r:id="rId2"/>
+    <p:sldId id="256" r:id="rId3"/>
+    <p:sldId id="257" r:id="rId4"/>
+    <p:sldId id="258" r:id="rId5"/>
+    <p:sldId id="259" r:id="rId6"/>
+    <p:sldId id="260" r:id="rId7"/>
+    <p:sldId id="261" r:id="rId8"/>
+    <p:sldId id="262" r:id="rId9"/>
+    <p:sldId id="263" r:id="rId10"/>
+    <p:sldId id="264" r:id="rId11"/>
+    <p:sldId id="265" r:id="rId12"/>
+    <p:sldId id="266" r:id="rId13"/>
+    <p:sldId id="267" r:id="rId14"/>
   </p:sldIdLst>
   <p:sldSz cx="9144000" cy="6858000" type="screen4x3"/>
   <p:notesSz cx="6858000" cy="9144000"/>
@@ -115,6 +116,22 @@
       </a:defRPr>
     </a:lvl9pPr>
   </p:defaultTextStyle>
+  <p:extLst>
+    <p:ext uri="{EFAFB233-063F-42B5-8137-9DF3F51BA10A}">
+      <p15:sldGuideLst xmlns:p15="http://schemas.microsoft.com/office/powerpoint/2012/main">
+        <p15:guide id="1" orient="horz" pos="2160">
+          <p15:clr>
+            <a:srgbClr val="A4A3A4"/>
+          </p15:clr>
+        </p15:guide>
+        <p15:guide id="2" pos="2880">
+          <p15:clr>
+            <a:srgbClr val="A4A3A4"/>
+          </p15:clr>
+        </p15:guide>
+      </p15:sldGuideLst>
+    </p:ext>
+  </p:extLst>
 </p:presentation>
 </file>
 
@@ -156,10 +173,9 @@
           <a:lstStyle/>
           <a:p>
             <a:r>
-              <a:rPr lang="en-US" smtClean="0"/>
+              <a:rPr lang="en-US"/>
               <a:t>Click to edit Master title style</a:t>
             </a:r>
-            <a:endParaRPr lang="en-US"/>
           </a:p>
         </p:txBody>
       </p:sp>
@@ -275,10 +291,9 @@
           </a:lstStyle>
           <a:p>
             <a:r>
-              <a:rPr lang="en-US" smtClean="0"/>
+              <a:rPr lang="en-US"/>
               <a:t>Click to edit Master subtitle style</a:t>
             </a:r>
-            <a:endParaRPr lang="en-US"/>
           </a:p>
         </p:txBody>
       </p:sp>
@@ -299,7 +314,7 @@
           <a:p>
             <a:fld id="{5BCAD085-E8A6-8845-BD4E-CB4CCA059FC4}" type="datetimeFigureOut">
               <a:rPr lang="en-US" smtClean="0"/>
-              <a:t>1/27/13</a:t>
+              <a:t>1/18/2026</a:t>
             </a:fld>
             <a:endParaRPr lang="en-US"/>
           </a:p>
@@ -393,10 +408,9 @@
           <a:lstStyle/>
           <a:p>
             <a:r>
-              <a:rPr lang="en-US" smtClean="0"/>
+              <a:rPr lang="en-US"/>
               <a:t>Click to edit Master title style</a:t>
             </a:r>
-            <a:endParaRPr lang="en-US"/>
           </a:p>
         </p:txBody>
       </p:sp>
@@ -417,38 +431,37 @@
           <a:p>
             <a:pPr lvl="0"/>
             <a:r>
-              <a:rPr lang="en-US" smtClean="0"/>
+              <a:rPr lang="en-US"/>
               <a:t>Click to edit Master text styles</a:t>
             </a:r>
           </a:p>
           <a:p>
             <a:pPr lvl="1"/>
             <a:r>
-              <a:rPr lang="en-US" smtClean="0"/>
+              <a:rPr lang="en-US"/>
               <a:t>Second level</a:t>
             </a:r>
           </a:p>
           <a:p>
             <a:pPr lvl="2"/>
             <a:r>
-              <a:rPr lang="en-US" smtClean="0"/>
+              <a:rPr lang="en-US"/>
               <a:t>Third level</a:t>
             </a:r>
           </a:p>
           <a:p>
             <a:pPr lvl="3"/>
             <a:r>
-              <a:rPr lang="en-US" smtClean="0"/>
+              <a:rPr lang="en-US"/>
               <a:t>Fourth level</a:t>
             </a:r>
           </a:p>
           <a:p>
             <a:pPr lvl="4"/>
             <a:r>
-              <a:rPr lang="en-US" smtClean="0"/>
+              <a:rPr lang="en-US"/>
               <a:t>Fifth level</a:t>
             </a:r>
-            <a:endParaRPr lang="en-US"/>
           </a:p>
         </p:txBody>
       </p:sp>
@@ -469,7 +482,7 @@
           <a:p>
             <a:fld id="{5BCAD085-E8A6-8845-BD4E-CB4CCA059FC4}" type="datetimeFigureOut">
               <a:rPr lang="en-US" smtClean="0"/>
-              <a:t>1/27/13</a:t>
+              <a:t>1/18/2026</a:t>
             </a:fld>
             <a:endParaRPr lang="en-US"/>
           </a:p>
@@ -568,10 +581,9 @@
           <a:lstStyle/>
           <a:p>
             <a:r>
-              <a:rPr lang="en-US" smtClean="0"/>
+              <a:rPr lang="en-US"/>
               <a:t>Click to edit Master title style</a:t>
             </a:r>
-            <a:endParaRPr lang="en-US"/>
           </a:p>
         </p:txBody>
       </p:sp>
@@ -597,38 +609,37 @@
           <a:p>
             <a:pPr lvl="0"/>
             <a:r>
-              <a:rPr lang="en-US" smtClean="0"/>
+              <a:rPr lang="en-US"/>
               <a:t>Click to edit Master text styles</a:t>
             </a:r>
           </a:p>
           <a:p>
             <a:pPr lvl="1"/>
             <a:r>
-              <a:rPr lang="en-US" smtClean="0"/>
+              <a:rPr lang="en-US"/>
               <a:t>Second level</a:t>
             </a:r>
           </a:p>
           <a:p>
             <a:pPr lvl="2"/>
             <a:r>
-              <a:rPr lang="en-US" smtClean="0"/>
+              <a:rPr lang="en-US"/>
               <a:t>Third level</a:t>
             </a:r>
           </a:p>
           <a:p>
             <a:pPr lvl="3"/>
             <a:r>
-              <a:rPr lang="en-US" smtClean="0"/>
+              <a:rPr lang="en-US"/>
               <a:t>Fourth level</a:t>
             </a:r>
           </a:p>
           <a:p>
             <a:pPr lvl="4"/>
             <a:r>
-              <a:rPr lang="en-US" smtClean="0"/>
+              <a:rPr lang="en-US"/>
               <a:t>Fifth level</a:t>
             </a:r>
-            <a:endParaRPr lang="en-US"/>
           </a:p>
         </p:txBody>
       </p:sp>
@@ -649,7 +660,7 @@
           <a:p>
             <a:fld id="{5BCAD085-E8A6-8845-BD4E-CB4CCA059FC4}" type="datetimeFigureOut">
               <a:rPr lang="en-US" smtClean="0"/>
-              <a:t>1/27/13</a:t>
+              <a:t>1/18/2026</a:t>
             </a:fld>
             <a:endParaRPr lang="en-US"/>
           </a:p>
@@ -743,10 +754,9 @@
           <a:lstStyle/>
           <a:p>
             <a:r>
-              <a:rPr lang="en-US" smtClean="0"/>
+              <a:rPr lang="en-US"/>
               <a:t>Click to edit Master title style</a:t>
             </a:r>
-            <a:endParaRPr lang="en-US"/>
           </a:p>
         </p:txBody>
       </p:sp>
@@ -767,38 +777,37 @@
           <a:p>
             <a:pPr lvl="0"/>
             <a:r>
-              <a:rPr lang="en-US" smtClean="0"/>
+              <a:rPr lang="en-US"/>
               <a:t>Click to edit Master text styles</a:t>
             </a:r>
           </a:p>
           <a:p>
             <a:pPr lvl="1"/>
             <a:r>
-              <a:rPr lang="en-US" smtClean="0"/>
+              <a:rPr lang="en-US"/>
               <a:t>Second level</a:t>
             </a:r>
           </a:p>
           <a:p>
             <a:pPr lvl="2"/>
             <a:r>
-              <a:rPr lang="en-US" smtClean="0"/>
+              <a:rPr lang="en-US"/>
               <a:t>Third level</a:t>
             </a:r>
           </a:p>
           <a:p>
             <a:pPr lvl="3"/>
             <a:r>
-              <a:rPr lang="en-US" smtClean="0"/>
+              <a:rPr lang="en-US"/>
               <a:t>Fourth level</a:t>
             </a:r>
           </a:p>
           <a:p>
             <a:pPr lvl="4"/>
             <a:r>
-              <a:rPr lang="en-US" smtClean="0"/>
+              <a:rPr lang="en-US"/>
               <a:t>Fifth level</a:t>
             </a:r>
-            <a:endParaRPr lang="en-US"/>
           </a:p>
         </p:txBody>
       </p:sp>
@@ -819,7 +828,7 @@
           <a:p>
             <a:fld id="{5BCAD085-E8A6-8845-BD4E-CB4CCA059FC4}" type="datetimeFigureOut">
               <a:rPr lang="en-US" smtClean="0"/>
-              <a:t>1/27/13</a:t>
+              <a:t>1/18/2026</a:t>
             </a:fld>
             <a:endParaRPr lang="en-US"/>
           </a:p>
@@ -922,10 +931,9 @@
           </a:lstStyle>
           <a:p>
             <a:r>
-              <a:rPr lang="en-US" smtClean="0"/>
+              <a:rPr lang="en-US"/>
               <a:t>Click to edit Master title style</a:t>
             </a:r>
-            <a:endParaRPr lang="en-US"/>
           </a:p>
         </p:txBody>
       </p:sp>
@@ -1042,7 +1050,7 @@
           <a:p>
             <a:pPr lvl="0"/>
             <a:r>
-              <a:rPr lang="en-US" smtClean="0"/>
+              <a:rPr lang="en-US"/>
               <a:t>Click to edit Master text styles</a:t>
             </a:r>
           </a:p>
@@ -1065,7 +1073,7 @@
           <a:p>
             <a:fld id="{5BCAD085-E8A6-8845-BD4E-CB4CCA059FC4}" type="datetimeFigureOut">
               <a:rPr lang="en-US" smtClean="0"/>
-              <a:t>1/27/13</a:t>
+              <a:t>1/18/2026</a:t>
             </a:fld>
             <a:endParaRPr lang="en-US"/>
           </a:p>
@@ -1159,10 +1167,9 @@
           <a:lstStyle/>
           <a:p>
             <a:r>
-              <a:rPr lang="en-US" smtClean="0"/>
+              <a:rPr lang="en-US"/>
               <a:t>Click to edit Master title style</a:t>
             </a:r>
-            <a:endParaRPr lang="en-US"/>
           </a:p>
         </p:txBody>
       </p:sp>
@@ -1216,38 +1223,37 @@
           <a:p>
             <a:pPr lvl="0"/>
             <a:r>
-              <a:rPr lang="en-US" smtClean="0"/>
+              <a:rPr lang="en-US"/>
               <a:t>Click to edit Master text styles</a:t>
             </a:r>
           </a:p>
           <a:p>
             <a:pPr lvl="1"/>
             <a:r>
-              <a:rPr lang="en-US" smtClean="0"/>
+              <a:rPr lang="en-US"/>
               <a:t>Second level</a:t>
             </a:r>
           </a:p>
           <a:p>
             <a:pPr lvl="2"/>
             <a:r>
-              <a:rPr lang="en-US" smtClean="0"/>
+              <a:rPr lang="en-US"/>
               <a:t>Third level</a:t>
             </a:r>
           </a:p>
           <a:p>
             <a:pPr lvl="3"/>
             <a:r>
-              <a:rPr lang="en-US" smtClean="0"/>
+              <a:rPr lang="en-US"/>
               <a:t>Fourth level</a:t>
             </a:r>
           </a:p>
           <a:p>
             <a:pPr lvl="4"/>
             <a:r>
-              <a:rPr lang="en-US" smtClean="0"/>
+              <a:rPr lang="en-US"/>
               <a:t>Fifth level</a:t>
             </a:r>
-            <a:endParaRPr lang="en-US"/>
           </a:p>
         </p:txBody>
       </p:sp>
@@ -1301,38 +1307,37 @@
           <a:p>
             <a:pPr lvl="0"/>
             <a:r>
-              <a:rPr lang="en-US" smtClean="0"/>
+              <a:rPr lang="en-US"/>
               <a:t>Click to edit Master text styles</a:t>
             </a:r>
           </a:p>
           <a:p>
             <a:pPr lvl="1"/>
             <a:r>
-              <a:rPr lang="en-US" smtClean="0"/>
+              <a:rPr lang="en-US"/>
               <a:t>Second level</a:t>
             </a:r>
           </a:p>
           <a:p>
             <a:pPr lvl="2"/>
             <a:r>
-              <a:rPr lang="en-US" smtClean="0"/>
+              <a:rPr lang="en-US"/>
               <a:t>Third level</a:t>
             </a:r>
           </a:p>
           <a:p>
             <a:pPr lvl="3"/>
             <a:r>
-              <a:rPr lang="en-US" smtClean="0"/>
+              <a:rPr lang="en-US"/>
               <a:t>Fourth level</a:t>
             </a:r>
           </a:p>
           <a:p>
             <a:pPr lvl="4"/>
             <a:r>
-              <a:rPr lang="en-US" smtClean="0"/>
+              <a:rPr lang="en-US"/>
               <a:t>Fifth level</a:t>
             </a:r>
-            <a:endParaRPr lang="en-US"/>
           </a:p>
         </p:txBody>
       </p:sp>
@@ -1353,7 +1358,7 @@
           <a:p>
             <a:fld id="{5BCAD085-E8A6-8845-BD4E-CB4CCA059FC4}" type="datetimeFigureOut">
               <a:rPr lang="en-US" smtClean="0"/>
-              <a:t>1/27/13</a:t>
+              <a:t>1/18/2026</a:t>
             </a:fld>
             <a:endParaRPr lang="en-US"/>
           </a:p>
@@ -1451,10 +1456,9 @@
           </a:lstStyle>
           <a:p>
             <a:r>
-              <a:rPr lang="en-US" smtClean="0"/>
+              <a:rPr lang="en-US"/>
               <a:t>Click to edit Master title style</a:t>
             </a:r>
-            <a:endParaRPr lang="en-US"/>
           </a:p>
         </p:txBody>
       </p:sp>
@@ -1517,7 +1521,7 @@
           <a:p>
             <a:pPr lvl="0"/>
             <a:r>
-              <a:rPr lang="en-US" smtClean="0"/>
+              <a:rPr lang="en-US"/>
               <a:t>Click to edit Master text styles</a:t>
             </a:r>
           </a:p>
@@ -1573,38 +1577,37 @@
           <a:p>
             <a:pPr lvl="0"/>
             <a:r>
-              <a:rPr lang="en-US" smtClean="0"/>
+              <a:rPr lang="en-US"/>
               <a:t>Click to edit Master text styles</a:t>
             </a:r>
           </a:p>
           <a:p>
             <a:pPr lvl="1"/>
             <a:r>
-              <a:rPr lang="en-US" smtClean="0"/>
+              <a:rPr lang="en-US"/>
               <a:t>Second level</a:t>
             </a:r>
           </a:p>
           <a:p>
             <a:pPr lvl="2"/>
             <a:r>
-              <a:rPr lang="en-US" smtClean="0"/>
+              <a:rPr lang="en-US"/>
               <a:t>Third level</a:t>
             </a:r>
           </a:p>
           <a:p>
             <a:pPr lvl="3"/>
             <a:r>
-              <a:rPr lang="en-US" smtClean="0"/>
+              <a:rPr lang="en-US"/>
               <a:t>Fourth level</a:t>
             </a:r>
           </a:p>
           <a:p>
             <a:pPr lvl="4"/>
             <a:r>
-              <a:rPr lang="en-US" smtClean="0"/>
+              <a:rPr lang="en-US"/>
               <a:t>Fifth level</a:t>
             </a:r>
-            <a:endParaRPr lang="en-US"/>
           </a:p>
         </p:txBody>
       </p:sp>
@@ -1667,7 +1670,7 @@
           <a:p>
             <a:pPr lvl="0"/>
             <a:r>
-              <a:rPr lang="en-US" smtClean="0"/>
+              <a:rPr lang="en-US"/>
               <a:t>Click to edit Master text styles</a:t>
             </a:r>
           </a:p>
@@ -1723,38 +1726,37 @@
           <a:p>
             <a:pPr lvl="0"/>
             <a:r>
-              <a:rPr lang="en-US" smtClean="0"/>
+              <a:rPr lang="en-US"/>
               <a:t>Click to edit Master text styles</a:t>
             </a:r>
           </a:p>
           <a:p>
             <a:pPr lvl="1"/>
             <a:r>
-              <a:rPr lang="en-US" smtClean="0"/>
+              <a:rPr lang="en-US"/>
               <a:t>Second level</a:t>
             </a:r>
           </a:p>
           <a:p>
             <a:pPr lvl="2"/>
             <a:r>
-              <a:rPr lang="en-US" smtClean="0"/>
+              <a:rPr lang="en-US"/>
               <a:t>Third level</a:t>
             </a:r>
           </a:p>
           <a:p>
             <a:pPr lvl="3"/>
             <a:r>
-              <a:rPr lang="en-US" smtClean="0"/>
+              <a:rPr lang="en-US"/>
               <a:t>Fourth level</a:t>
             </a:r>
           </a:p>
           <a:p>
             <a:pPr lvl="4"/>
             <a:r>
-              <a:rPr lang="en-US" smtClean="0"/>
+              <a:rPr lang="en-US"/>
               <a:t>Fifth level</a:t>
             </a:r>
-            <a:endParaRPr lang="en-US"/>
           </a:p>
         </p:txBody>
       </p:sp>
@@ -1775,7 +1777,7 @@
           <a:p>
             <a:fld id="{5BCAD085-E8A6-8845-BD4E-CB4CCA059FC4}" type="datetimeFigureOut">
               <a:rPr lang="en-US" smtClean="0"/>
-              <a:t>1/27/13</a:t>
+              <a:t>1/18/2026</a:t>
             </a:fld>
             <a:endParaRPr lang="en-US"/>
           </a:p>
@@ -1869,10 +1871,9 @@
           <a:lstStyle/>
           <a:p>
             <a:r>
-              <a:rPr lang="en-US" smtClean="0"/>
+              <a:rPr lang="en-US"/>
               <a:t>Click to edit Master title style</a:t>
             </a:r>
-            <a:endParaRPr lang="en-US"/>
           </a:p>
         </p:txBody>
       </p:sp>
@@ -1893,7 +1894,7 @@
           <a:p>
             <a:fld id="{5BCAD085-E8A6-8845-BD4E-CB4CCA059FC4}" type="datetimeFigureOut">
               <a:rPr lang="en-US" smtClean="0"/>
-              <a:t>1/27/13</a:t>
+              <a:t>1/18/2026</a:t>
             </a:fld>
             <a:endParaRPr lang="en-US"/>
           </a:p>
@@ -1988,7 +1989,7 @@
           <a:p>
             <a:fld id="{5BCAD085-E8A6-8845-BD4E-CB4CCA059FC4}" type="datetimeFigureOut">
               <a:rPr lang="en-US" smtClean="0"/>
-              <a:t>1/27/13</a:t>
+              <a:t>1/18/2026</a:t>
             </a:fld>
             <a:endParaRPr lang="en-US"/>
           </a:p>
@@ -2091,10 +2092,9 @@
           </a:lstStyle>
           <a:p>
             <a:r>
-              <a:rPr lang="en-US" smtClean="0"/>
+              <a:rPr lang="en-US"/>
               <a:t>Click to edit Master title style</a:t>
             </a:r>
-            <a:endParaRPr lang="en-US"/>
           </a:p>
         </p:txBody>
       </p:sp>
@@ -2148,38 +2148,37 @@
           <a:p>
             <a:pPr lvl="0"/>
             <a:r>
-              <a:rPr lang="en-US" smtClean="0"/>
+              <a:rPr lang="en-US"/>
               <a:t>Click to edit Master text styles</a:t>
             </a:r>
           </a:p>
           <a:p>
             <a:pPr lvl="1"/>
             <a:r>
-              <a:rPr lang="en-US" smtClean="0"/>
+              <a:rPr lang="en-US"/>
               <a:t>Second level</a:t>
             </a:r>
           </a:p>
           <a:p>
             <a:pPr lvl="2"/>
             <a:r>
-              <a:rPr lang="en-US" smtClean="0"/>
+              <a:rPr lang="en-US"/>
               <a:t>Third level</a:t>
             </a:r>
           </a:p>
           <a:p>
             <a:pPr lvl="3"/>
             <a:r>
-              <a:rPr lang="en-US" smtClean="0"/>
+              <a:rPr lang="en-US"/>
               <a:t>Fourth level</a:t>
             </a:r>
           </a:p>
           <a:p>
             <a:pPr lvl="4"/>
             <a:r>
-              <a:rPr lang="en-US" smtClean="0"/>
+              <a:rPr lang="en-US"/>
               <a:t>Fifth level</a:t>
             </a:r>
-            <a:endParaRPr lang="en-US"/>
           </a:p>
         </p:txBody>
       </p:sp>
@@ -2242,7 +2241,7 @@
           <a:p>
             <a:pPr lvl="0"/>
             <a:r>
-              <a:rPr lang="en-US" smtClean="0"/>
+              <a:rPr lang="en-US"/>
               <a:t>Click to edit Master text styles</a:t>
             </a:r>
           </a:p>
@@ -2265,7 +2264,7 @@
           <a:p>
             <a:fld id="{5BCAD085-E8A6-8845-BD4E-CB4CCA059FC4}" type="datetimeFigureOut">
               <a:rPr lang="en-US" smtClean="0"/>
-              <a:t>1/27/13</a:t>
+              <a:t>1/18/2026</a:t>
             </a:fld>
             <a:endParaRPr lang="en-US"/>
           </a:p>
@@ -2368,10 +2367,9 @@
           </a:lstStyle>
           <a:p>
             <a:r>
-              <a:rPr lang="en-US" smtClean="0"/>
+              <a:rPr lang="en-US"/>
               <a:t>Click to edit Master title style</a:t>
             </a:r>
-            <a:endParaRPr lang="en-US"/>
           </a:p>
         </p:txBody>
       </p:sp>
@@ -2495,7 +2493,7 @@
           <a:p>
             <a:pPr lvl="0"/>
             <a:r>
-              <a:rPr lang="en-US" smtClean="0"/>
+              <a:rPr lang="en-US"/>
               <a:t>Click to edit Master text styles</a:t>
             </a:r>
           </a:p>
@@ -2518,7 +2516,7 @@
           <a:p>
             <a:fld id="{5BCAD085-E8A6-8845-BD4E-CB4CCA059FC4}" type="datetimeFigureOut">
               <a:rPr lang="en-US" smtClean="0"/>
-              <a:t>1/27/13</a:t>
+              <a:t>1/18/2026</a:t>
             </a:fld>
             <a:endParaRPr lang="en-US"/>
           </a:p>
@@ -2627,10 +2625,9 @@
           <a:lstStyle/>
           <a:p>
             <a:r>
-              <a:rPr lang="en-US" smtClean="0"/>
+              <a:rPr lang="en-US"/>
               <a:t>Click to edit Master title style</a:t>
             </a:r>
-            <a:endParaRPr lang="en-US"/>
           </a:p>
         </p:txBody>
       </p:sp>
@@ -2661,38 +2658,37 @@
           <a:p>
             <a:pPr lvl="0"/>
             <a:r>
-              <a:rPr lang="en-US" smtClean="0"/>
+              <a:rPr lang="en-US"/>
               <a:t>Click to edit Master text styles</a:t>
             </a:r>
           </a:p>
           <a:p>
             <a:pPr lvl="1"/>
             <a:r>
-              <a:rPr lang="en-US" smtClean="0"/>
+              <a:rPr lang="en-US"/>
               <a:t>Second level</a:t>
             </a:r>
           </a:p>
           <a:p>
             <a:pPr lvl="2"/>
             <a:r>
-              <a:rPr lang="en-US" smtClean="0"/>
+              <a:rPr lang="en-US"/>
               <a:t>Third level</a:t>
             </a:r>
           </a:p>
           <a:p>
             <a:pPr lvl="3"/>
             <a:r>
-              <a:rPr lang="en-US" smtClean="0"/>
+              <a:rPr lang="en-US"/>
               <a:t>Fourth level</a:t>
             </a:r>
           </a:p>
           <a:p>
             <a:pPr lvl="4"/>
             <a:r>
-              <a:rPr lang="en-US" smtClean="0"/>
+              <a:rPr lang="en-US"/>
               <a:t>Fifth level</a:t>
             </a:r>
-            <a:endParaRPr lang="en-US"/>
           </a:p>
         </p:txBody>
       </p:sp>
@@ -2731,7 +2727,7 @@
           <a:p>
             <a:fld id="{5BCAD085-E8A6-8845-BD4E-CB4CCA059FC4}" type="datetimeFigureOut">
               <a:rPr lang="en-US" smtClean="0"/>
-              <a:t>1/27/13</a:t>
+              <a:t>1/18/2026</a:t>
             </a:fld>
             <a:endParaRPr lang="en-US"/>
           </a:p>
@@ -3090,7 +3086,7 @@
 </file>
 
 <file path=ppt/slides/slide1.xml><?xml version="1.0" encoding="utf-8"?>
-<p:sld xmlns:a="http://schemas.openxmlformats.org/drawingml/2006/main" xmlns:p="http://schemas.openxmlformats.org/presentationml/2006/main" xmlns:r="http://schemas.openxmlformats.org/officeDocument/2006/relationships">
+<p:sld xmlns:a="http://schemas.openxmlformats.org/drawingml/2006/main" xmlns:r="http://schemas.openxmlformats.org/officeDocument/2006/relationships" xmlns:p="http://schemas.openxmlformats.org/presentationml/2006/main">
   <p:cSld>
     <p:spTree>
       <p:nvGrpSpPr>
@@ -3098,10 +3094,23 @@
         <p:cNvGrpSpPr/>
         <p:nvPr/>
       </p:nvGrpSpPr>
-      <p:grpSpPr/>
-      <p:sp>
-        <p:nvSpPr>
-          <p:cNvPr id="2" name="Title 1"/>
+      <p:grpSpPr>
+        <a:xfrm>
+          <a:off x="0" y="0"/>
+          <a:ext cx="0" cy="0"/>
+          <a:chOff x="0" y="0"/>
+          <a:chExt cx="0" cy="0"/>
+        </a:xfrm>
+      </p:grpSpPr>
+      <p:sp>
+        <p:nvSpPr>
+          <p:cNvPr id="2" name="Title 1">
+            <a:extLst>
+              <a:ext uri="{FF2B5EF4-FFF2-40B4-BE49-F238E27FC236}">
+                <a16:creationId xmlns:a16="http://schemas.microsoft.com/office/drawing/2014/main" id="{B72D1D1C-9175-1FE5-82B0-9EF1E318B270}"/>
+              </a:ext>
+            </a:extLst>
+          </p:cNvPr>
           <p:cNvSpPr>
             <a:spLocks noGrp="1"/>
           </p:cNvSpPr>
@@ -3109,54 +3118,114 @@
             <p:ph type="title"/>
           </p:nvPr>
         </p:nvSpPr>
-        <p:spPr/>
-        <p:txBody>
-          <a:bodyPr/>
-          <a:lstStyle/>
-          <a:p>
-            <a:r>
-              <a:t>Problem Statement</a:t>
-            </a:r>
-          </a:p>
-        </p:txBody>
-      </p:sp>
-      <p:sp>
-        <p:nvSpPr>
-          <p:cNvPr id="3" name="Content Placeholder 2"/>
-          <p:cNvSpPr>
-            <a:spLocks noGrp="1"/>
-          </p:cNvSpPr>
-          <p:nvPr>
-            <p:ph idx="1"/>
-          </p:nvPr>
-        </p:nvSpPr>
-        <p:spPr/>
-        <p:txBody>
-          <a:bodyPr/>
-          <a:lstStyle/>
-          <a:p>
-            <a:r>
-              <a:t>• Ethereum blockchain faces significant fraud risks from malicious actors</a:t>
-            </a:r>
-          </a:p>
-          <a:p>
-            <a:r>
-              <a:t>• Need to detect fraudulent addresses based on transactional behavior</a:t>
-            </a:r>
-          </a:p>
-          <a:p>
-            <a:r>
-              <a:t>• Data collection and cleaning is the foundation for fraud detection models</a:t>
-            </a:r>
-          </a:p>
-          <a:p>
-            <a:r>
-              <a:t>• Addresses with abnormal transaction patterns indicate potential fraud</a:t>
+        <p:spPr>
+          <a:xfrm>
+            <a:off x="646770" y="274637"/>
+            <a:ext cx="8040029" cy="3249147"/>
+          </a:xfrm>
+        </p:spPr>
+        <p:txBody>
+          <a:bodyPr>
+            <a:noAutofit/>
+          </a:bodyPr>
+          <a:lstStyle/>
+          <a:p>
+            <a:r>
+              <a:rPr lang="en-US" b="1" dirty="0">
+                <a:latin typeface="Times New Roman" panose="02020603050405020304" pitchFamily="18" charset="0"/>
+                <a:cs typeface="Times New Roman" panose="02020603050405020304" pitchFamily="18" charset="0"/>
+              </a:rPr>
+              <a:t>Identifying a Real-World Problem, Data Collection, and Preprocessing </a:t>
+            </a:r>
+          </a:p>
+        </p:txBody>
+      </p:sp>
+      <p:sp>
+        <p:nvSpPr>
+          <p:cNvPr id="4" name="TextBox 3">
+            <a:extLst>
+              <a:ext uri="{FF2B5EF4-FFF2-40B4-BE49-F238E27FC236}">
+                <a16:creationId xmlns:a16="http://schemas.microsoft.com/office/drawing/2014/main" id="{20288143-BB1B-B264-367D-047074CCABF5}"/>
+              </a:ext>
+            </a:extLst>
+          </p:cNvPr>
+          <p:cNvSpPr txBox="1"/>
+          <p:nvPr/>
+        </p:nvSpPr>
+        <p:spPr>
+          <a:xfrm>
+            <a:off x="847494" y="4627756"/>
+            <a:ext cx="2329896" cy="461665"/>
+          </a:xfrm>
+          <a:prstGeom prst="rect">
+            <a:avLst/>
+          </a:prstGeom>
+          <a:noFill/>
+        </p:spPr>
+        <p:txBody>
+          <a:bodyPr wrap="square" rtlCol="0">
+            <a:spAutoFit/>
+          </a:bodyPr>
+          <a:lstStyle/>
+          <a:p>
+            <a:r>
+              <a:rPr lang="en-US" sz="2400" b="1">
+                <a:latin typeface="Times New Roman" panose="02020603050405020304" pitchFamily="18" charset="0"/>
+                <a:cs typeface="Times New Roman" panose="02020603050405020304" pitchFamily="18" charset="0"/>
+              </a:rPr>
+              <a:t>Assignment 01</a:t>
+            </a:r>
+            <a:endParaRPr lang="en-US" sz="2400" b="1" dirty="0">
+              <a:latin typeface="Times New Roman" panose="02020603050405020304" pitchFamily="18" charset="0"/>
+              <a:cs typeface="Times New Roman" panose="02020603050405020304" pitchFamily="18" charset="0"/>
+            </a:endParaRPr>
+          </a:p>
+        </p:txBody>
+      </p:sp>
+      <p:sp>
+        <p:nvSpPr>
+          <p:cNvPr id="5" name="TextBox 4">
+            <a:extLst>
+              <a:ext uri="{FF2B5EF4-FFF2-40B4-BE49-F238E27FC236}">
+                <a16:creationId xmlns:a16="http://schemas.microsoft.com/office/drawing/2014/main" id="{F5F0DB32-03D8-89CC-5D5C-8691AD5440E2}"/>
+              </a:ext>
+            </a:extLst>
+          </p:cNvPr>
+          <p:cNvSpPr txBox="1"/>
+          <p:nvPr/>
+        </p:nvSpPr>
+        <p:spPr>
+          <a:xfrm>
+            <a:off x="5185317" y="4616605"/>
+            <a:ext cx="3775839" cy="461665"/>
+          </a:xfrm>
+          <a:prstGeom prst="rect">
+            <a:avLst/>
+          </a:prstGeom>
+          <a:noFill/>
+        </p:spPr>
+        <p:txBody>
+          <a:bodyPr wrap="square" rtlCol="0">
+            <a:spAutoFit/>
+          </a:bodyPr>
+          <a:lstStyle/>
+          <a:p>
+            <a:r>
+              <a:rPr lang="en-US" sz="2400" b="1" dirty="0">
+                <a:latin typeface="Times New Roman" panose="02020603050405020304" pitchFamily="18" charset="0"/>
+                <a:cs typeface="Times New Roman" panose="02020603050405020304" pitchFamily="18" charset="0"/>
+              </a:rPr>
+              <a:t>Ahmad Faraz (215154)</a:t>
             </a:r>
           </a:p>
         </p:txBody>
       </p:sp>
     </p:spTree>
+    <p:extLst>
+      <p:ext uri="{BB962C8B-B14F-4D97-AF65-F5344CB8AC3E}">
+        <p14:creationId xmlns:p14="http://schemas.microsoft.com/office/powerpoint/2010/main" val="540083833"/>
+      </p:ext>
+    </p:extLst>
   </p:cSld>
   <p:clrMapOvr>
     <a:masterClrMapping/>
@@ -3165,7 +3234,7 @@
 </file>
 
 <file path=ppt/slides/slide10.xml><?xml version="1.0" encoding="utf-8"?>
-<p:sld xmlns:a="http://schemas.openxmlformats.org/drawingml/2006/main" xmlns:p="http://schemas.openxmlformats.org/presentationml/2006/main" xmlns:r="http://schemas.openxmlformats.org/officeDocument/2006/relationships">
+<p:sld xmlns:a="http://schemas.openxmlformats.org/drawingml/2006/main" xmlns:r="http://schemas.openxmlformats.org/officeDocument/2006/relationships" xmlns:p="http://schemas.openxmlformats.org/presentationml/2006/main">
   <p:cSld>
     <p:spTree>
       <p:nvGrpSpPr>
@@ -3173,7 +3242,14 @@
         <p:cNvGrpSpPr/>
         <p:nvPr/>
       </p:nvGrpSpPr>
-      <p:grpSpPr/>
+      <p:grpSpPr>
+        <a:xfrm>
+          <a:off x="0" y="0"/>
+          <a:ext cx="0" cy="0"/>
+          <a:chOff x="0" y="0"/>
+          <a:chExt cx="0" cy="0"/>
+        </a:xfrm>
+      </p:grpSpPr>
       <p:sp>
         <p:nvSpPr>
           <p:cNvPr id="2" name="Title 1"/>
@@ -3184,13 +3260,25 @@
             <p:ph type="title"/>
           </p:nvPr>
         </p:nvSpPr>
-        <p:spPr/>
-        <p:txBody>
-          <a:bodyPr/>
-          <a:lstStyle/>
-          <a:p>
-            <a:r>
-              <a:t>Deployment Strategy</a:t>
+        <p:spPr>
+          <a:xfrm>
+            <a:off x="457200" y="46035"/>
+            <a:ext cx="8229600" cy="1143000"/>
+          </a:xfrm>
+        </p:spPr>
+        <p:txBody>
+          <a:bodyPr>
+            <a:normAutofit/>
+          </a:bodyPr>
+          <a:lstStyle/>
+          <a:p>
+            <a:pPr algn="l"/>
+            <a:r>
+              <a:rPr sz="3200" b="1" dirty="0">
+                <a:latin typeface="Times New Roman" panose="02020603050405020304" pitchFamily="18" charset="0"/>
+                <a:cs typeface="Times New Roman" panose="02020603050405020304" pitchFamily="18" charset="0"/>
+              </a:rPr>
+              <a:t>Findings and Conclusions</a:t>
             </a:r>
           </a:p>
         </p:txBody>
@@ -3205,23 +3293,75 @@
             <p:ph idx="1"/>
           </p:nvPr>
         </p:nvSpPr>
-        <p:spPr/>
-        <p:txBody>
-          <a:bodyPr/>
-          <a:lstStyle/>
-          <a:p>
-            <a:r>
-              <a:t>• No deployment in this assignment</a:t>
-            </a:r>
-          </a:p>
-          <a:p>
-            <a:r>
-              <a:t>• Cleaned data will be used in Assignment 02 for EDA</a:t>
-            </a:r>
-          </a:p>
-          <a:p>
-            <a:r>
-              <a:t>• Data quality ensures reliable model training in future assignments</a:t>
+        <p:spPr>
+          <a:xfrm>
+            <a:off x="457200" y="1130968"/>
+            <a:ext cx="8229600" cy="5245769"/>
+          </a:xfrm>
+        </p:spPr>
+        <p:txBody>
+          <a:bodyPr>
+            <a:noAutofit/>
+          </a:bodyPr>
+          <a:lstStyle/>
+          <a:p>
+            <a:pPr algn="just"/>
+            <a:r>
+              <a:rPr sz="3000" dirty="0">
+                <a:latin typeface="Times New Roman" panose="02020603050405020304" pitchFamily="18" charset="0"/>
+                <a:cs typeface="Times New Roman" panose="02020603050405020304" pitchFamily="18" charset="0"/>
+              </a:rPr>
+              <a:t>Dataset contains comprehensive transactional features</a:t>
+            </a:r>
+          </a:p>
+          <a:p>
+            <a:pPr algn="just"/>
+            <a:r>
+              <a:rPr sz="3000" dirty="0">
+                <a:latin typeface="Times New Roman" panose="02020603050405020304" pitchFamily="18" charset="0"/>
+                <a:cs typeface="Times New Roman" panose="02020603050405020304" pitchFamily="18" charset="0"/>
+              </a:rPr>
+              <a:t>Minimal data quality issues found</a:t>
+            </a:r>
+          </a:p>
+          <a:p>
+            <a:pPr algn="just"/>
+            <a:r>
+              <a:rPr sz="3000" dirty="0">
+                <a:latin typeface="Times New Roman" panose="02020603050405020304" pitchFamily="18" charset="0"/>
+                <a:cs typeface="Times New Roman" panose="02020603050405020304" pitchFamily="18" charset="0"/>
+              </a:rPr>
+              <a:t>FLAG column has no missing values, indicating reliable target variable</a:t>
+            </a:r>
+          </a:p>
+          <a:p>
+            <a:pPr algn="just"/>
+            <a:r>
+              <a:rPr sz="3000" dirty="0">
+                <a:latin typeface="Times New Roman" panose="02020603050405020304" pitchFamily="18" charset="0"/>
+                <a:cs typeface="Times New Roman" panose="02020603050405020304" pitchFamily="18" charset="0"/>
+              </a:rPr>
+              <a:t>ERC20 token interactions show some missing data patterns</a:t>
+            </a:r>
+          </a:p>
+          <a:p>
+            <a:pPr algn="just"/>
+            <a:r>
+              <a:rPr sz="3000" dirty="0">
+                <a:latin typeface="Times New Roman" panose="02020603050405020304" pitchFamily="18" charset="0"/>
+                <a:cs typeface="Times New Roman" panose="02020603050405020304" pitchFamily="18" charset="0"/>
+              </a:rPr>
+              <a:t>Data cleaning preserved all important information</a:t>
+            </a:r>
+          </a:p>
+          <a:p>
+            <a:pPr algn="just"/>
+            <a:r>
+              <a:rPr sz="3000" dirty="0">
+                <a:latin typeface="Times New Roman" panose="02020603050405020304" pitchFamily="18" charset="0"/>
+                <a:cs typeface="Times New Roman" panose="02020603050405020304" pitchFamily="18" charset="0"/>
+              </a:rPr>
+              <a:t>Foundation established for fraud detection analysis</a:t>
             </a:r>
           </a:p>
         </p:txBody>
@@ -3235,7 +3375,7 @@
 </file>
 
 <file path=ppt/slides/slide11.xml><?xml version="1.0" encoding="utf-8"?>
-<p:sld xmlns:a="http://schemas.openxmlformats.org/drawingml/2006/main" xmlns:p="http://schemas.openxmlformats.org/presentationml/2006/main" xmlns:r="http://schemas.openxmlformats.org/officeDocument/2006/relationships">
+<p:sld xmlns:a="http://schemas.openxmlformats.org/drawingml/2006/main" xmlns:r="http://schemas.openxmlformats.org/officeDocument/2006/relationships" xmlns:p="http://schemas.openxmlformats.org/presentationml/2006/main">
   <p:cSld>
     <p:spTree>
       <p:nvGrpSpPr>
@@ -3243,7 +3383,14 @@
         <p:cNvGrpSpPr/>
         <p:nvPr/>
       </p:nvGrpSpPr>
-      <p:grpSpPr/>
+      <p:grpSpPr>
+        <a:xfrm>
+          <a:off x="0" y="0"/>
+          <a:ext cx="0" cy="0"/>
+          <a:chOff x="0" y="0"/>
+          <a:chExt cx="0" cy="0"/>
+        </a:xfrm>
+      </p:grpSpPr>
       <p:sp>
         <p:nvSpPr>
           <p:cNvPr id="2" name="Title 1"/>
@@ -3256,11 +3403,18 @@
         </p:nvSpPr>
         <p:spPr/>
         <p:txBody>
-          <a:bodyPr/>
-          <a:lstStyle/>
-          <a:p>
-            <a:r>
-              <a:t>Feedback and its Analysis</a:t>
+          <a:bodyPr>
+            <a:normAutofit/>
+          </a:bodyPr>
+          <a:lstStyle/>
+          <a:p>
+            <a:pPr algn="l"/>
+            <a:r>
+              <a:rPr sz="3200" b="1" dirty="0">
+                <a:latin typeface="Times New Roman" panose="02020603050405020304" pitchFamily="18" charset="0"/>
+                <a:cs typeface="Times New Roman" panose="02020603050405020304" pitchFamily="18" charset="0"/>
+              </a:rPr>
+              <a:t>Deployment Strategy</a:t>
             </a:r>
           </a:p>
         </p:txBody>
@@ -3277,16 +3431,38 @@
         </p:nvSpPr>
         <p:spPr/>
         <p:txBody>
-          <a:bodyPr/>
-          <a:lstStyle/>
-          <a:p>
-            <a:r>
-              <a:t>• No user feedback collected in this data collection phase</a:t>
-            </a:r>
-          </a:p>
-          <a:p>
-            <a:r>
-              <a:t>• Feedback will be gathered in later assignments during deployment</a:t>
+          <a:bodyPr>
+            <a:normAutofit/>
+          </a:bodyPr>
+          <a:lstStyle/>
+          <a:p>
+            <a:pPr algn="just"/>
+            <a:r>
+              <a:rPr sz="3000" dirty="0">
+                <a:latin typeface="Times New Roman" panose="02020603050405020304" pitchFamily="18" charset="0"/>
+                <a:cs typeface="Times New Roman" panose="02020603050405020304" pitchFamily="18" charset="0"/>
+              </a:rPr>
+              <a:t>No deployment in this assignment</a:t>
+            </a:r>
+          </a:p>
+          <a:p>
+            <a:pPr algn="just"/>
+            <a:r>
+              <a:rPr sz="3000" dirty="0">
+                <a:latin typeface="Times New Roman" panose="02020603050405020304" pitchFamily="18" charset="0"/>
+                <a:cs typeface="Times New Roman" panose="02020603050405020304" pitchFamily="18" charset="0"/>
+              </a:rPr>
+              <a:t>Cleaned data will be used in Assignment 02 for EDA</a:t>
+            </a:r>
+          </a:p>
+          <a:p>
+            <a:pPr algn="just"/>
+            <a:r>
+              <a:rPr sz="3000" dirty="0">
+                <a:latin typeface="Times New Roman" panose="02020603050405020304" pitchFamily="18" charset="0"/>
+                <a:cs typeface="Times New Roman" panose="02020603050405020304" pitchFamily="18" charset="0"/>
+              </a:rPr>
+              <a:t>Data quality ensures reliable model training in future assignments</a:t>
             </a:r>
           </a:p>
         </p:txBody>
@@ -3300,7 +3476,7 @@
 </file>
 
 <file path=ppt/slides/slide12.xml><?xml version="1.0" encoding="utf-8"?>
-<p:sld xmlns:a="http://schemas.openxmlformats.org/drawingml/2006/main" xmlns:p="http://schemas.openxmlformats.org/presentationml/2006/main" xmlns:r="http://schemas.openxmlformats.org/officeDocument/2006/relationships">
+<p:sld xmlns:a="http://schemas.openxmlformats.org/drawingml/2006/main" xmlns:r="http://schemas.openxmlformats.org/officeDocument/2006/relationships" xmlns:p="http://schemas.openxmlformats.org/presentationml/2006/main">
   <p:cSld>
     <p:spTree>
       <p:nvGrpSpPr>
@@ -3308,7 +3484,14 @@
         <p:cNvGrpSpPr/>
         <p:nvPr/>
       </p:nvGrpSpPr>
-      <p:grpSpPr/>
+      <p:grpSpPr>
+        <a:xfrm>
+          <a:off x="0" y="0"/>
+          <a:ext cx="0" cy="0"/>
+          <a:chOff x="0" y="0"/>
+          <a:chExt cx="0" cy="0"/>
+        </a:xfrm>
+      </p:grpSpPr>
       <p:sp>
         <p:nvSpPr>
           <p:cNvPr id="2" name="Title 1"/>
@@ -3321,10 +3504,108 @@
         </p:nvSpPr>
         <p:spPr/>
         <p:txBody>
-          <a:bodyPr/>
-          <a:lstStyle/>
-          <a:p>
-            <a:r>
+          <a:bodyPr>
+            <a:normAutofit/>
+          </a:bodyPr>
+          <a:lstStyle/>
+          <a:p>
+            <a:pPr algn="l"/>
+            <a:r>
+              <a:rPr sz="3200" b="1" dirty="0">
+                <a:latin typeface="Times New Roman" panose="02020603050405020304" pitchFamily="18" charset="0"/>
+                <a:cs typeface="Times New Roman" panose="02020603050405020304" pitchFamily="18" charset="0"/>
+              </a:rPr>
+              <a:t>Feedback and its Analysis</a:t>
+            </a:r>
+          </a:p>
+        </p:txBody>
+      </p:sp>
+      <p:sp>
+        <p:nvSpPr>
+          <p:cNvPr id="3" name="Content Placeholder 2"/>
+          <p:cNvSpPr>
+            <a:spLocks noGrp="1"/>
+          </p:cNvSpPr>
+          <p:nvPr>
+            <p:ph idx="1"/>
+          </p:nvPr>
+        </p:nvSpPr>
+        <p:spPr/>
+        <p:txBody>
+          <a:bodyPr>
+            <a:normAutofit/>
+          </a:bodyPr>
+          <a:lstStyle/>
+          <a:p>
+            <a:pPr algn="just"/>
+            <a:r>
+              <a:rPr sz="3000" dirty="0">
+                <a:latin typeface="Times New Roman" panose="02020603050405020304" pitchFamily="18" charset="0"/>
+                <a:cs typeface="Times New Roman" panose="02020603050405020304" pitchFamily="18" charset="0"/>
+              </a:rPr>
+              <a:t>No user feedback collected in this data collection phase</a:t>
+            </a:r>
+          </a:p>
+          <a:p>
+            <a:pPr algn="just"/>
+            <a:r>
+              <a:rPr sz="3000" dirty="0">
+                <a:latin typeface="Times New Roman" panose="02020603050405020304" pitchFamily="18" charset="0"/>
+                <a:cs typeface="Times New Roman" panose="02020603050405020304" pitchFamily="18" charset="0"/>
+              </a:rPr>
+              <a:t>Feedback will be gathered in later assignments during deployment</a:t>
+            </a:r>
+          </a:p>
+        </p:txBody>
+      </p:sp>
+    </p:spTree>
+  </p:cSld>
+  <p:clrMapOvr>
+    <a:masterClrMapping/>
+  </p:clrMapOvr>
+</p:sld>
+</file>
+
+<file path=ppt/slides/slide13.xml><?xml version="1.0" encoding="utf-8"?>
+<p:sld xmlns:a="http://schemas.openxmlformats.org/drawingml/2006/main" xmlns:r="http://schemas.openxmlformats.org/officeDocument/2006/relationships" xmlns:p="http://schemas.openxmlformats.org/presentationml/2006/main">
+  <p:cSld>
+    <p:spTree>
+      <p:nvGrpSpPr>
+        <p:cNvPr id="1" name=""/>
+        <p:cNvGrpSpPr/>
+        <p:nvPr/>
+      </p:nvGrpSpPr>
+      <p:grpSpPr>
+        <a:xfrm>
+          <a:off x="0" y="0"/>
+          <a:ext cx="0" cy="0"/>
+          <a:chOff x="0" y="0"/>
+          <a:chExt cx="0" cy="0"/>
+        </a:xfrm>
+      </p:grpSpPr>
+      <p:sp>
+        <p:nvSpPr>
+          <p:cNvPr id="2" name="Title 1"/>
+          <p:cNvSpPr>
+            <a:spLocks noGrp="1"/>
+          </p:cNvSpPr>
+          <p:nvPr>
+            <p:ph type="title"/>
+          </p:nvPr>
+        </p:nvSpPr>
+        <p:spPr/>
+        <p:txBody>
+          <a:bodyPr>
+            <a:normAutofit/>
+          </a:bodyPr>
+          <a:lstStyle/>
+          <a:p>
+            <a:pPr algn="l"/>
+            <a:r>
+              <a:rPr sz="3200" b="1" dirty="0">
+                <a:latin typeface="Times New Roman" panose="02020603050405020304" pitchFamily="18" charset="0"/>
+                <a:cs typeface="Times New Roman" panose="02020603050405020304" pitchFamily="18" charset="0"/>
+              </a:rPr>
               <a:t>Future Goals</a:t>
             </a:r>
           </a:p>
@@ -3342,31 +3623,58 @@
         </p:nvSpPr>
         <p:spPr/>
         <p:txBody>
-          <a:bodyPr/>
-          <a:lstStyle/>
-          <a:p>
-            <a:r>
-              <a:t>• Perform Exploratory Data Analysis (EDA) in Assignment 02</a:t>
-            </a:r>
-          </a:p>
-          <a:p>
-            <a:r>
-              <a:t>• Identify patterns and correlations in the data</a:t>
-            </a:r>
-          </a:p>
-          <a:p>
-            <a:r>
-              <a:t>• Develop machine learning models for fraud detection</a:t>
-            </a:r>
-          </a:p>
-          <a:p>
-            <a:r>
-              <a:t>• Deploy the final model for real-world use</a:t>
-            </a:r>
-          </a:p>
-          <a:p>
-            <a:r>
-              <a:t>• Collect user feedback and iterate on improvements</a:t>
+          <a:bodyPr>
+            <a:normAutofit/>
+          </a:bodyPr>
+          <a:lstStyle/>
+          <a:p>
+            <a:pPr algn="just"/>
+            <a:r>
+              <a:rPr sz="3000" dirty="0">
+                <a:latin typeface="Times New Roman" panose="02020603050405020304" pitchFamily="18" charset="0"/>
+                <a:cs typeface="Times New Roman" panose="02020603050405020304" pitchFamily="18" charset="0"/>
+              </a:rPr>
+              <a:t>Perform Exploratory Data Analysis (EDA) in Assignment 02</a:t>
+            </a:r>
+          </a:p>
+          <a:p>
+            <a:pPr algn="just"/>
+            <a:r>
+              <a:rPr sz="3000" dirty="0">
+                <a:latin typeface="Times New Roman" panose="02020603050405020304" pitchFamily="18" charset="0"/>
+                <a:cs typeface="Times New Roman" panose="02020603050405020304" pitchFamily="18" charset="0"/>
+              </a:rPr>
+              <a:t>Identify patterns and correlations in the data</a:t>
+            </a:r>
+          </a:p>
+          <a:p>
+            <a:pPr algn="just"/>
+            <a:r>
+              <a:rPr sz="3000" dirty="0">
+                <a:latin typeface="Times New Roman" panose="02020603050405020304" pitchFamily="18" charset="0"/>
+                <a:cs typeface="Times New Roman" panose="02020603050405020304" pitchFamily="18" charset="0"/>
+              </a:rPr>
+              <a:t>Develop machine learning models for fraud detection</a:t>
+            </a:r>
+          </a:p>
+          <a:p>
+            <a:pPr algn="just"/>
+            <a:r>
+              <a:rPr sz="3000" dirty="0">
+                <a:latin typeface="Times New Roman" panose="02020603050405020304" pitchFamily="18" charset="0"/>
+                <a:cs typeface="Times New Roman" panose="02020603050405020304" pitchFamily="18" charset="0"/>
+              </a:rPr>
+              <a:t>Deploy the final model for real-world use</a:t>
+            </a:r>
+          </a:p>
+          <a:p>
+            <a:pPr algn="just"/>
+            <a:r>
+              <a:rPr sz="3000" dirty="0">
+                <a:latin typeface="Times New Roman" panose="02020603050405020304" pitchFamily="18" charset="0"/>
+                <a:cs typeface="Times New Roman" panose="02020603050405020304" pitchFamily="18" charset="0"/>
+              </a:rPr>
+              <a:t>Collect user feedback and iterate on improvements</a:t>
             </a:r>
           </a:p>
         </p:txBody>
@@ -3380,7 +3688,7 @@
 </file>
 
 <file path=ppt/slides/slide2.xml><?xml version="1.0" encoding="utf-8"?>
-<p:sld xmlns:a="http://schemas.openxmlformats.org/drawingml/2006/main" xmlns:p="http://schemas.openxmlformats.org/presentationml/2006/main" xmlns:r="http://schemas.openxmlformats.org/officeDocument/2006/relationships">
+<p:sld xmlns:a="http://schemas.openxmlformats.org/drawingml/2006/main" xmlns:r="http://schemas.openxmlformats.org/officeDocument/2006/relationships" xmlns:p="http://schemas.openxmlformats.org/presentationml/2006/main">
   <p:cSld>
     <p:spTree>
       <p:nvGrpSpPr>
@@ -3388,7 +3696,14 @@
         <p:cNvGrpSpPr/>
         <p:nvPr/>
       </p:nvGrpSpPr>
-      <p:grpSpPr/>
+      <p:grpSpPr>
+        <a:xfrm>
+          <a:off x="0" y="0"/>
+          <a:ext cx="0" cy="0"/>
+          <a:chOff x="0" y="0"/>
+          <a:chExt cx="0" cy="0"/>
+        </a:xfrm>
+      </p:grpSpPr>
       <p:sp>
         <p:nvSpPr>
           <p:cNvPr id="2" name="Title 1"/>
@@ -3399,13 +3714,25 @@
             <p:ph type="title"/>
           </p:nvPr>
         </p:nvSpPr>
-        <p:spPr/>
-        <p:txBody>
-          <a:bodyPr/>
-          <a:lstStyle/>
-          <a:p>
-            <a:r>
-              <a:t>Datasets (Sources, Descriptions etc.)</a:t>
+        <p:spPr>
+          <a:xfrm>
+            <a:off x="565484" y="274638"/>
+            <a:ext cx="8121316" cy="1143000"/>
+          </a:xfrm>
+        </p:spPr>
+        <p:txBody>
+          <a:bodyPr>
+            <a:normAutofit/>
+          </a:bodyPr>
+          <a:lstStyle/>
+          <a:p>
+            <a:pPr algn="l"/>
+            <a:r>
+              <a:rPr sz="3200" b="1" dirty="0">
+                <a:latin typeface="Times New Roman" panose="02020603050405020304" pitchFamily="18" charset="0"/>
+                <a:cs typeface="Times New Roman" panose="02020603050405020304" pitchFamily="18" charset="0"/>
+              </a:rPr>
+              <a:t>Problem Statement</a:t>
             </a:r>
           </a:p>
         </p:txBody>
@@ -3422,36 +3749,48 @@
         </p:nvSpPr>
         <p:spPr/>
         <p:txBody>
-          <a:bodyPr/>
-          <a:lstStyle/>
-          <a:p>
-            <a:r>
-              <a:t>• Dataset: Ethereum_Fraud_Detection.csv</a:t>
-            </a:r>
-          </a:p>
-          <a:p>
-            <a:r>
-              <a:t>• Source: Blockchain transaction data (specific source not detailed)</a:t>
-            </a:r>
-          </a:p>
-          <a:p>
-            <a:r>
-              <a:t>• Description: Contains transactional features for Ethereum addresses</a:t>
-            </a:r>
-          </a:p>
-          <a:p>
-            <a:r>
-              <a:t>• Features include: transaction counts, ETH values, ERC20 token interactions</a:t>
-            </a:r>
-          </a:p>
-          <a:p>
-            <a:r>
-              <a:t>• Target variable: FLAG (1 = fraudulent, 0 = legitimate)</a:t>
-            </a:r>
-          </a:p>
-          <a:p>
-            <a:r>
-              <a:t>• Size: Approximately 9,000+ records</a:t>
+          <a:bodyPr>
+            <a:normAutofit/>
+          </a:bodyPr>
+          <a:lstStyle/>
+          <a:p>
+            <a:pPr algn="just"/>
+            <a:r>
+              <a:rPr sz="3000" dirty="0">
+                <a:latin typeface="Times New Roman" panose="02020603050405020304" pitchFamily="18" charset="0"/>
+                <a:cs typeface="Times New Roman" panose="02020603050405020304" pitchFamily="18" charset="0"/>
+              </a:rPr>
+              <a:t>Ethereum blockchain faces significant fraud risks from malicious actors</a:t>
+            </a:r>
+          </a:p>
+          <a:p>
+            <a:pPr algn="just"/>
+            <a:r>
+              <a:rPr sz="3000" dirty="0">
+                <a:latin typeface="Times New Roman" panose="02020603050405020304" pitchFamily="18" charset="0"/>
+                <a:cs typeface="Times New Roman" panose="02020603050405020304" pitchFamily="18" charset="0"/>
+              </a:rPr>
+              <a:t>Need to detect fraudulent addresses based on transactional behavior</a:t>
+            </a:r>
+          </a:p>
+          <a:p>
+            <a:pPr algn="just"/>
+            <a:r>
+              <a:rPr sz="3000" dirty="0">
+                <a:latin typeface="Times New Roman" panose="02020603050405020304" pitchFamily="18" charset="0"/>
+                <a:cs typeface="Times New Roman" panose="02020603050405020304" pitchFamily="18" charset="0"/>
+              </a:rPr>
+              <a:t>Data collection and cleaning is the foundation for fraud detection models</a:t>
+            </a:r>
+          </a:p>
+          <a:p>
+            <a:pPr algn="just"/>
+            <a:r>
+              <a:rPr sz="3000" dirty="0">
+                <a:latin typeface="Times New Roman" panose="02020603050405020304" pitchFamily="18" charset="0"/>
+                <a:cs typeface="Times New Roman" panose="02020603050405020304" pitchFamily="18" charset="0"/>
+              </a:rPr>
+              <a:t>Addresses with abnormal transaction patterns indicate potential fraud</a:t>
             </a:r>
           </a:p>
         </p:txBody>
@@ -3465,7 +3804,7 @@
 </file>
 
 <file path=ppt/slides/slide3.xml><?xml version="1.0" encoding="utf-8"?>
-<p:sld xmlns:a="http://schemas.openxmlformats.org/drawingml/2006/main" xmlns:p="http://schemas.openxmlformats.org/presentationml/2006/main" xmlns:r="http://schemas.openxmlformats.org/officeDocument/2006/relationships">
+<p:sld xmlns:a="http://schemas.openxmlformats.org/drawingml/2006/main" xmlns:r="http://schemas.openxmlformats.org/officeDocument/2006/relationships" xmlns:p="http://schemas.openxmlformats.org/presentationml/2006/main">
   <p:cSld>
     <p:spTree>
       <p:nvGrpSpPr>
@@ -3473,7 +3812,14 @@
         <p:cNvGrpSpPr/>
         <p:nvPr/>
       </p:nvGrpSpPr>
-      <p:grpSpPr/>
+      <p:grpSpPr>
+        <a:xfrm>
+          <a:off x="0" y="0"/>
+          <a:ext cx="0" cy="0"/>
+          <a:chOff x="0" y="0"/>
+          <a:chExt cx="0" cy="0"/>
+        </a:xfrm>
+      </p:grpSpPr>
       <p:sp>
         <p:nvSpPr>
           <p:cNvPr id="2" name="Title 1"/>
@@ -3486,11 +3832,18 @@
         </p:nvSpPr>
         <p:spPr/>
         <p:txBody>
-          <a:bodyPr/>
-          <a:lstStyle/>
-          <a:p>
-            <a:r>
-              <a:t>Analytical Approach</a:t>
+          <a:bodyPr>
+            <a:normAutofit/>
+          </a:bodyPr>
+          <a:lstStyle/>
+          <a:p>
+            <a:pPr algn="l"/>
+            <a:r>
+              <a:rPr sz="3200" b="1" dirty="0">
+                <a:latin typeface="Times New Roman" panose="02020603050405020304" pitchFamily="18" charset="0"/>
+                <a:cs typeface="Times New Roman" panose="02020603050405020304" pitchFamily="18" charset="0"/>
+              </a:rPr>
+              <a:t>Datasets (Sources, Descriptions etc.)</a:t>
             </a:r>
           </a:p>
         </p:txBody>
@@ -3507,31 +3860,103 @@
         </p:nvSpPr>
         <p:spPr/>
         <p:txBody>
-          <a:bodyPr/>
-          <a:lstStyle/>
-          <a:p>
-            <a:r>
-              <a:t>• Data Collection: Load and examine the raw dataset</a:t>
-            </a:r>
-          </a:p>
-          <a:p>
-            <a:r>
-              <a:t>• Data Exploration: Check data types, shapes, and basic statistics</a:t>
-            </a:r>
-          </a:p>
-          <a:p>
-            <a:r>
-              <a:t>• Data Cleaning: Handle missing values, duplicates, and inconsistencies</a:t>
-            </a:r>
-          </a:p>
-          <a:p>
-            <a:r>
-              <a:t>• Validation: Ensure data quality for subsequent analysis</a:t>
-            </a:r>
-          </a:p>
-          <a:p>
-            <a:r>
-              <a:t>• Storage: Save cleaned dataset for future assignments</a:t>
+          <a:bodyPr>
+            <a:normAutofit fontScale="92500" lnSpcReduction="20000"/>
+          </a:bodyPr>
+          <a:lstStyle/>
+          <a:p>
+            <a:pPr algn="just"/>
+            <a:r>
+              <a:rPr i="1" dirty="0">
+                <a:latin typeface="Times New Roman" panose="02020603050405020304" pitchFamily="18" charset="0"/>
+                <a:cs typeface="Times New Roman" panose="02020603050405020304" pitchFamily="18" charset="0"/>
+              </a:rPr>
+              <a:t>Dataset: </a:t>
+            </a:r>
+            <a:r>
+              <a:rPr dirty="0">
+                <a:latin typeface="Times New Roman" panose="02020603050405020304" pitchFamily="18" charset="0"/>
+                <a:cs typeface="Times New Roman" panose="02020603050405020304" pitchFamily="18" charset="0"/>
+              </a:rPr>
+              <a:t>Ethereum_Fraud_Detection.csv</a:t>
+            </a:r>
+          </a:p>
+          <a:p>
+            <a:pPr algn="just"/>
+            <a:r>
+              <a:rPr dirty="0">
+                <a:latin typeface="Times New Roman" panose="02020603050405020304" pitchFamily="18" charset="0"/>
+                <a:cs typeface="Times New Roman" panose="02020603050405020304" pitchFamily="18" charset="0"/>
+              </a:rPr>
+              <a:t>Source: Blockchain transaction data (specific source not detailed)</a:t>
+            </a:r>
+          </a:p>
+          <a:p>
+            <a:pPr algn="just"/>
+            <a:r>
+              <a:rPr i="1" dirty="0">
+                <a:latin typeface="Times New Roman" panose="02020603050405020304" pitchFamily="18" charset="0"/>
+                <a:cs typeface="Times New Roman" panose="02020603050405020304" pitchFamily="18" charset="0"/>
+              </a:rPr>
+              <a:t>Description: </a:t>
+            </a:r>
+            <a:r>
+              <a:rPr dirty="0">
+                <a:latin typeface="Times New Roman" panose="02020603050405020304" pitchFamily="18" charset="0"/>
+                <a:cs typeface="Times New Roman" panose="02020603050405020304" pitchFamily="18" charset="0"/>
+              </a:rPr>
+              <a:t>Contains transactional features for Ethereum addresses</a:t>
+            </a:r>
+          </a:p>
+          <a:p>
+            <a:pPr algn="just"/>
+            <a:r>
+              <a:rPr i="1" dirty="0">
+                <a:latin typeface="Times New Roman" panose="02020603050405020304" pitchFamily="18" charset="0"/>
+                <a:cs typeface="Times New Roman" panose="02020603050405020304" pitchFamily="18" charset="0"/>
+              </a:rPr>
+              <a:t>Features include: </a:t>
+            </a:r>
+            <a:r>
+              <a:rPr dirty="0">
+                <a:latin typeface="Times New Roman" panose="02020603050405020304" pitchFamily="18" charset="0"/>
+                <a:cs typeface="Times New Roman" panose="02020603050405020304" pitchFamily="18" charset="0"/>
+              </a:rPr>
+              <a:t>transaction counts, ETH values, ERC20 token interactions</a:t>
+            </a:r>
+          </a:p>
+          <a:p>
+            <a:pPr algn="just"/>
+            <a:r>
+              <a:rPr i="1" dirty="0">
+                <a:latin typeface="Times New Roman" panose="02020603050405020304" pitchFamily="18" charset="0"/>
+                <a:cs typeface="Times New Roman" panose="02020603050405020304" pitchFamily="18" charset="0"/>
+              </a:rPr>
+              <a:t>Target variable: </a:t>
+            </a:r>
+            <a:r>
+              <a:rPr dirty="0">
+                <a:latin typeface="Times New Roman" panose="02020603050405020304" pitchFamily="18" charset="0"/>
+                <a:cs typeface="Times New Roman" panose="02020603050405020304" pitchFamily="18" charset="0"/>
+              </a:rPr>
+              <a:t>FLAG (1 = fraudulent, 0 = legitimate)</a:t>
+            </a:r>
+          </a:p>
+          <a:p>
+            <a:pPr algn="just"/>
+            <a:r>
+              <a:rPr i="1" dirty="0">
+                <a:latin typeface="Times New Roman" panose="02020603050405020304" pitchFamily="18" charset="0"/>
+                <a:cs typeface="Times New Roman" panose="02020603050405020304" pitchFamily="18" charset="0"/>
+              </a:rPr>
+              <a:t>Size: </a:t>
+            </a:r>
+            <a:r>
+              <a:rPr dirty="0">
+                <a:latin typeface="Times New Roman" panose="02020603050405020304" pitchFamily="18" charset="0"/>
+                <a:cs typeface="Times New Roman" panose="02020603050405020304" pitchFamily="18" charset="0"/>
+              </a:rPr>
+              <a:t>Approximately 9,000+ records</a:t>
             </a:r>
           </a:p>
         </p:txBody>
@@ -3545,7 +3970,7 @@
 </file>
 
 <file path=ppt/slides/slide4.xml><?xml version="1.0" encoding="utf-8"?>
-<p:sld xmlns:a="http://schemas.openxmlformats.org/drawingml/2006/main" xmlns:p="http://schemas.openxmlformats.org/presentationml/2006/main" xmlns:r="http://schemas.openxmlformats.org/officeDocument/2006/relationships">
+<p:sld xmlns:a="http://schemas.openxmlformats.org/drawingml/2006/main" xmlns:r="http://schemas.openxmlformats.org/officeDocument/2006/relationships" xmlns:p="http://schemas.openxmlformats.org/presentationml/2006/main">
   <p:cSld>
     <p:spTree>
       <p:nvGrpSpPr>
@@ -3553,7 +3978,14 @@
         <p:cNvGrpSpPr/>
         <p:nvPr/>
       </p:nvGrpSpPr>
-      <p:grpSpPr/>
+      <p:grpSpPr>
+        <a:xfrm>
+          <a:off x="0" y="0"/>
+          <a:ext cx="0" cy="0"/>
+          <a:chOff x="0" y="0"/>
+          <a:chExt cx="0" cy="0"/>
+        </a:xfrm>
+      </p:grpSpPr>
       <p:sp>
         <p:nvSpPr>
           <p:cNvPr id="2" name="Title 1"/>
@@ -3566,11 +3998,18 @@
         </p:nvSpPr>
         <p:spPr/>
         <p:txBody>
-          <a:bodyPr/>
-          <a:lstStyle/>
-          <a:p>
-            <a:r>
-              <a:t>Your Project Methodology</a:t>
+          <a:bodyPr>
+            <a:normAutofit/>
+          </a:bodyPr>
+          <a:lstStyle/>
+          <a:p>
+            <a:pPr algn="l"/>
+            <a:r>
+              <a:rPr sz="3200" b="1" dirty="0">
+                <a:latin typeface="Times New Roman" panose="02020603050405020304" pitchFamily="18" charset="0"/>
+                <a:cs typeface="Times New Roman" panose="02020603050405020304" pitchFamily="18" charset="0"/>
+              </a:rPr>
+              <a:t>Analytical Approach</a:t>
             </a:r>
           </a:p>
         </p:txBody>
@@ -3587,26 +4026,93 @@
         </p:nvSpPr>
         <p:spPr/>
         <p:txBody>
-          <a:bodyPr/>
-          <a:lstStyle/>
-          <a:p>
-            <a:r>
-              <a:t>• Step 1: Import necessary libraries (pandas)</a:t>
-            </a:r>
-          </a:p>
-          <a:p>
-            <a:r>
-              <a:t>• Step 2: Load the dataset using pd.read_csv()</a:t>
-            </a:r>
-          </a:p>
-          <a:p>
-            <a:r>
-              <a:t>• Step 3: Examine dataset structure (shape, head, dtypes)</a:t>
-            </a:r>
-          </a:p>
-          <a:p>
-            <a:r>
-              <a:t>• Step 4: Check for missing values in numeric and object columns</a:t>
+          <a:bodyPr>
+            <a:normAutofit fontScale="92500" lnSpcReduction="20000"/>
+          </a:bodyPr>
+          <a:lstStyle/>
+          <a:p>
+            <a:pPr algn="just"/>
+            <a:r>
+              <a:rPr i="1" dirty="0">
+                <a:latin typeface="Times New Roman" panose="02020603050405020304" pitchFamily="18" charset="0"/>
+                <a:cs typeface="Times New Roman" panose="02020603050405020304" pitchFamily="18" charset="0"/>
+              </a:rPr>
+              <a:t>Data Collection: </a:t>
+            </a:r>
+            <a:r>
+              <a:rPr dirty="0">
+                <a:latin typeface="Times New Roman" panose="02020603050405020304" pitchFamily="18" charset="0"/>
+                <a:cs typeface="Times New Roman" panose="02020603050405020304" pitchFamily="18" charset="0"/>
+              </a:rPr>
+              <a:t>Load and examine the raw dataset</a:t>
+            </a:r>
+          </a:p>
+          <a:p>
+            <a:pPr algn="just"/>
+            <a:r>
+              <a:rPr i="1" dirty="0">
+                <a:latin typeface="Times New Roman" panose="02020603050405020304" pitchFamily="18" charset="0"/>
+                <a:cs typeface="Times New Roman" panose="02020603050405020304" pitchFamily="18" charset="0"/>
+              </a:rPr>
+              <a:t>Data Exploration: </a:t>
+            </a:r>
+            <a:r>
+              <a:rPr dirty="0">
+                <a:latin typeface="Times New Roman" panose="02020603050405020304" pitchFamily="18" charset="0"/>
+                <a:cs typeface="Times New Roman" panose="02020603050405020304" pitchFamily="18" charset="0"/>
+              </a:rPr>
+              <a:t>Check data types, shapes, and basic statistics</a:t>
+            </a:r>
+          </a:p>
+          <a:p>
+            <a:pPr algn="just"/>
+            <a:r>
+              <a:rPr i="1" dirty="0">
+                <a:latin typeface="Times New Roman" panose="02020603050405020304" pitchFamily="18" charset="0"/>
+                <a:cs typeface="Times New Roman" panose="02020603050405020304" pitchFamily="18" charset="0"/>
+              </a:rPr>
+              <a:t>Data Cleaning: </a:t>
+            </a:r>
+            <a:r>
+              <a:rPr dirty="0">
+                <a:latin typeface="Times New Roman" panose="02020603050405020304" pitchFamily="18" charset="0"/>
+                <a:cs typeface="Times New Roman" panose="02020603050405020304" pitchFamily="18" charset="0"/>
+              </a:rPr>
+              <a:t>Handle missing values, duplicates, and inconsistencies</a:t>
+            </a:r>
+          </a:p>
+          <a:p>
+            <a:pPr algn="just"/>
+            <a:r>
+              <a:rPr i="1" dirty="0">
+                <a:latin typeface="Times New Roman" panose="02020603050405020304" pitchFamily="18" charset="0"/>
+                <a:cs typeface="Times New Roman" panose="02020603050405020304" pitchFamily="18" charset="0"/>
+              </a:rPr>
+              <a:t>Validation: </a:t>
+            </a:r>
+            <a:r>
+              <a:rPr dirty="0">
+                <a:latin typeface="Times New Roman" panose="02020603050405020304" pitchFamily="18" charset="0"/>
+                <a:cs typeface="Times New Roman" panose="02020603050405020304" pitchFamily="18" charset="0"/>
+              </a:rPr>
+              <a:t>Ensure data quality for subsequent analysis</a:t>
+            </a:r>
+          </a:p>
+          <a:p>
+            <a:pPr algn="just"/>
+            <a:r>
+              <a:rPr i="1" dirty="0">
+                <a:latin typeface="Times New Roman" panose="02020603050405020304" pitchFamily="18" charset="0"/>
+                <a:cs typeface="Times New Roman" panose="02020603050405020304" pitchFamily="18" charset="0"/>
+              </a:rPr>
+              <a:t>Storage: </a:t>
+            </a:r>
+            <a:r>
+              <a:rPr dirty="0">
+                <a:latin typeface="Times New Roman" panose="02020603050405020304" pitchFamily="18" charset="0"/>
+                <a:cs typeface="Times New Roman" panose="02020603050405020304" pitchFamily="18" charset="0"/>
+              </a:rPr>
+              <a:t>Save cleaned dataset for future assignments</a:t>
             </a:r>
           </a:p>
         </p:txBody>
@@ -3620,7 +4126,7 @@
 </file>
 
 <file path=ppt/slides/slide5.xml><?xml version="1.0" encoding="utf-8"?>
-<p:sld xmlns:a="http://schemas.openxmlformats.org/drawingml/2006/main" xmlns:p="http://schemas.openxmlformats.org/presentationml/2006/main" xmlns:r="http://schemas.openxmlformats.org/officeDocument/2006/relationships">
+<p:sld xmlns:a="http://schemas.openxmlformats.org/drawingml/2006/main" xmlns:r="http://schemas.openxmlformats.org/officeDocument/2006/relationships" xmlns:p="http://schemas.openxmlformats.org/presentationml/2006/main">
   <p:cSld>
     <p:spTree>
       <p:nvGrpSpPr>
@@ -3628,7 +4134,14 @@
         <p:cNvGrpSpPr/>
         <p:nvPr/>
       </p:nvGrpSpPr>
-      <p:grpSpPr/>
+      <p:grpSpPr>
+        <a:xfrm>
+          <a:off x="0" y="0"/>
+          <a:ext cx="0" cy="0"/>
+          <a:chOff x="0" y="0"/>
+          <a:chExt cx="0" cy="0"/>
+        </a:xfrm>
+      </p:grpSpPr>
       <p:sp>
         <p:nvSpPr>
           <p:cNvPr id="2" name="Title 1"/>
@@ -3641,11 +4154,18 @@
         </p:nvSpPr>
         <p:spPr/>
         <p:txBody>
-          <a:bodyPr/>
-          <a:lstStyle/>
-          <a:p>
-            <a:r>
-              <a:t>Your Project Methodology (continued)</a:t>
+          <a:bodyPr>
+            <a:normAutofit/>
+          </a:bodyPr>
+          <a:lstStyle/>
+          <a:p>
+            <a:pPr algn="l"/>
+            <a:r>
+              <a:rPr sz="3200" b="1" dirty="0">
+                <a:latin typeface="Times New Roman" panose="02020603050405020304" pitchFamily="18" charset="0"/>
+                <a:cs typeface="Times New Roman" panose="02020603050405020304" pitchFamily="18" charset="0"/>
+              </a:rPr>
+              <a:t>Project Methodology</a:t>
             </a:r>
           </a:p>
         </p:txBody>
@@ -3662,21 +4182,104 @@
         </p:nvSpPr>
         <p:spPr/>
         <p:txBody>
-          <a:bodyPr/>
-          <a:lstStyle/>
-          <a:p>
-            <a:r>
-              <a:t>• Step 5: Identify and handle duplicate records</a:t>
-            </a:r>
-          </a:p>
-          <a:p>
-            <a:r>
-              <a:t>• Step 6: Clean null, empty, and invalid values</a:t>
-            </a:r>
-          </a:p>
-          <a:p>
-            <a:r>
-              <a:t>• Step 7: Save the cleaned dataset</a:t>
+          <a:bodyPr>
+            <a:normAutofit/>
+          </a:bodyPr>
+          <a:lstStyle/>
+          <a:p>
+            <a:pPr algn="just"/>
+            <a:r>
+              <a:rPr sz="3000" i="1" dirty="0">
+                <a:latin typeface="Times New Roman" panose="02020603050405020304" pitchFamily="18" charset="0"/>
+                <a:cs typeface="Times New Roman" panose="02020603050405020304" pitchFamily="18" charset="0"/>
+              </a:rPr>
+              <a:t>Step 1: </a:t>
+            </a:r>
+            <a:r>
+              <a:rPr sz="3000" dirty="0">
+                <a:latin typeface="Times New Roman" panose="02020603050405020304" pitchFamily="18" charset="0"/>
+                <a:cs typeface="Times New Roman" panose="02020603050405020304" pitchFamily="18" charset="0"/>
+              </a:rPr>
+              <a:t>Import necessary libraries (pandas)</a:t>
+            </a:r>
+          </a:p>
+          <a:p>
+            <a:pPr algn="just"/>
+            <a:r>
+              <a:rPr sz="3000" i="1" dirty="0">
+                <a:latin typeface="Times New Roman" panose="02020603050405020304" pitchFamily="18" charset="0"/>
+                <a:cs typeface="Times New Roman" panose="02020603050405020304" pitchFamily="18" charset="0"/>
+              </a:rPr>
+              <a:t>Step 2: </a:t>
+            </a:r>
+            <a:r>
+              <a:rPr sz="3000" dirty="0">
+                <a:latin typeface="Times New Roman" panose="02020603050405020304" pitchFamily="18" charset="0"/>
+                <a:cs typeface="Times New Roman" panose="02020603050405020304" pitchFamily="18" charset="0"/>
+              </a:rPr>
+              <a:t>Load the dataset using </a:t>
+            </a:r>
+            <a:r>
+              <a:rPr sz="3000" dirty="0" err="1">
+                <a:latin typeface="Times New Roman" panose="02020603050405020304" pitchFamily="18" charset="0"/>
+                <a:cs typeface="Times New Roman" panose="02020603050405020304" pitchFamily="18" charset="0"/>
+              </a:rPr>
+              <a:t>pd.read_csv</a:t>
+            </a:r>
+            <a:r>
+              <a:rPr sz="3000" dirty="0">
+                <a:latin typeface="Times New Roman" panose="02020603050405020304" pitchFamily="18" charset="0"/>
+                <a:cs typeface="Times New Roman" panose="02020603050405020304" pitchFamily="18" charset="0"/>
+              </a:rPr>
+              <a:t>()</a:t>
+            </a:r>
+          </a:p>
+          <a:p>
+            <a:pPr algn="just"/>
+            <a:r>
+              <a:rPr sz="3000" i="1" dirty="0">
+                <a:latin typeface="Times New Roman" panose="02020603050405020304" pitchFamily="18" charset="0"/>
+                <a:cs typeface="Times New Roman" panose="02020603050405020304" pitchFamily="18" charset="0"/>
+              </a:rPr>
+              <a:t>Step 3: </a:t>
+            </a:r>
+            <a:r>
+              <a:rPr sz="3000" dirty="0">
+                <a:latin typeface="Times New Roman" panose="02020603050405020304" pitchFamily="18" charset="0"/>
+                <a:cs typeface="Times New Roman" panose="02020603050405020304" pitchFamily="18" charset="0"/>
+              </a:rPr>
+              <a:t>Examine dataset structure (shape, head, </a:t>
+            </a:r>
+            <a:r>
+              <a:rPr sz="3000" dirty="0" err="1">
+                <a:latin typeface="Times New Roman" panose="02020603050405020304" pitchFamily="18" charset="0"/>
+                <a:cs typeface="Times New Roman" panose="02020603050405020304" pitchFamily="18" charset="0"/>
+              </a:rPr>
+              <a:t>dtypes</a:t>
+            </a:r>
+            <a:r>
+              <a:rPr sz="3000" dirty="0">
+                <a:latin typeface="Times New Roman" panose="02020603050405020304" pitchFamily="18" charset="0"/>
+                <a:cs typeface="Times New Roman" panose="02020603050405020304" pitchFamily="18" charset="0"/>
+              </a:rPr>
+              <a:t>)</a:t>
+            </a:r>
+          </a:p>
+          <a:p>
+            <a:pPr algn="just"/>
+            <a:r>
+              <a:rPr sz="3000" i="1" dirty="0">
+                <a:latin typeface="Times New Roman" panose="02020603050405020304" pitchFamily="18" charset="0"/>
+                <a:cs typeface="Times New Roman" panose="02020603050405020304" pitchFamily="18" charset="0"/>
+              </a:rPr>
+              <a:t>Step 4: </a:t>
+            </a:r>
+            <a:r>
+              <a:rPr sz="3000" dirty="0">
+                <a:latin typeface="Times New Roman" panose="02020603050405020304" pitchFamily="18" charset="0"/>
+                <a:cs typeface="Times New Roman" panose="02020603050405020304" pitchFamily="18" charset="0"/>
+              </a:rPr>
+              <a:t>Check for missing values in numeric and object columns</a:t>
             </a:r>
           </a:p>
         </p:txBody>
@@ -3690,7 +4293,7 @@
 </file>
 
 <file path=ppt/slides/slide6.xml><?xml version="1.0" encoding="utf-8"?>
-<p:sld xmlns:a="http://schemas.openxmlformats.org/drawingml/2006/main" xmlns:p="http://schemas.openxmlformats.org/presentationml/2006/main" xmlns:r="http://schemas.openxmlformats.org/officeDocument/2006/relationships">
+<p:sld xmlns:a="http://schemas.openxmlformats.org/drawingml/2006/main" xmlns:r="http://schemas.openxmlformats.org/officeDocument/2006/relationships" xmlns:p="http://schemas.openxmlformats.org/presentationml/2006/main">
   <p:cSld>
     <p:spTree>
       <p:nvGrpSpPr>
@@ -3698,7 +4301,14 @@
         <p:cNvGrpSpPr/>
         <p:nvPr/>
       </p:nvGrpSpPr>
-      <p:grpSpPr/>
+      <p:grpSpPr>
+        <a:xfrm>
+          <a:off x="0" y="0"/>
+          <a:ext cx="0" cy="0"/>
+          <a:chOff x="0" y="0"/>
+          <a:chExt cx="0" cy="0"/>
+        </a:xfrm>
+      </p:grpSpPr>
       <p:sp>
         <p:nvSpPr>
           <p:cNvPr id="2" name="Title 1"/>
@@ -3711,12 +4321,37 @@
         </p:nvSpPr>
         <p:spPr/>
         <p:txBody>
-          <a:bodyPr/>
-          <a:lstStyle/>
-          <a:p>
-            <a:r>
-              <a:t>Preprocessing Techniques</a:t>
-            </a:r>
+          <a:bodyPr>
+            <a:normAutofit/>
+          </a:bodyPr>
+          <a:lstStyle/>
+          <a:p>
+            <a:pPr algn="l"/>
+            <a:r>
+              <a:rPr lang="en-US" sz="3200" dirty="0">
+                <a:latin typeface="Times New Roman" panose="02020603050405020304" pitchFamily="18" charset="0"/>
+                <a:cs typeface="Times New Roman" panose="02020603050405020304" pitchFamily="18" charset="0"/>
+              </a:rPr>
+              <a:t>C</a:t>
+            </a:r>
+            <a:r>
+              <a:rPr sz="3200" dirty="0">
+                <a:latin typeface="Times New Roman" panose="02020603050405020304" pitchFamily="18" charset="0"/>
+                <a:cs typeface="Times New Roman" panose="02020603050405020304" pitchFamily="18" charset="0"/>
+              </a:rPr>
+              <a:t>ontinued</a:t>
+            </a:r>
+            <a:r>
+              <a:rPr lang="en-US" sz="3200" dirty="0">
+                <a:latin typeface="Times New Roman" panose="02020603050405020304" pitchFamily="18" charset="0"/>
+                <a:cs typeface="Times New Roman" panose="02020603050405020304" pitchFamily="18" charset="0"/>
+              </a:rPr>
+              <a:t>…</a:t>
+            </a:r>
+            <a:endParaRPr sz="3200" dirty="0">
+              <a:latin typeface="Times New Roman" panose="02020603050405020304" pitchFamily="18" charset="0"/>
+              <a:cs typeface="Times New Roman" panose="02020603050405020304" pitchFamily="18" charset="0"/>
+            </a:endParaRPr>
           </a:p>
         </p:txBody>
       </p:sp>
@@ -3732,31 +4367,56 @@
         </p:nvSpPr>
         <p:spPr/>
         <p:txBody>
-          <a:bodyPr/>
-          <a:lstStyle/>
-          <a:p>
-            <a:r>
-              <a:t>• Missing Value Handling: Fill numeric NaNs with 0, object NaNs with '0'</a:t>
-            </a:r>
-          </a:p>
-          <a:p>
-            <a:r>
-              <a:t>• String Cleaning: Strip whitespace and replace empty strings with '0'</a:t>
-            </a:r>
-          </a:p>
-          <a:p>
-            <a:r>
-              <a:t>• Duplicate Removal: Check for duplicate addresses (found 25 duplicates)</a:t>
-            </a:r>
-          </a:p>
-          <a:p>
-            <a:r>
-              <a:t>• Data Type Consistency: Ensure proper data types for analysis</a:t>
-            </a:r>
-          </a:p>
-          <a:p>
-            <a:r>
-              <a:t>• Column Standardization: Clean column names for consistency</a:t>
+          <a:bodyPr>
+            <a:normAutofit/>
+          </a:bodyPr>
+          <a:lstStyle/>
+          <a:p>
+            <a:r>
+              <a:rPr sz="3000" i="1" dirty="0">
+                <a:latin typeface="Times New Roman" panose="02020603050405020304" pitchFamily="18" charset="0"/>
+                <a:cs typeface="Times New Roman" panose="02020603050405020304" pitchFamily="18" charset="0"/>
+              </a:rPr>
+              <a:t>Step 5: </a:t>
+            </a:r>
+            <a:r>
+              <a:rPr sz="3000" dirty="0">
+                <a:latin typeface="Times New Roman" panose="02020603050405020304" pitchFamily="18" charset="0"/>
+                <a:cs typeface="Times New Roman" panose="02020603050405020304" pitchFamily="18" charset="0"/>
+              </a:rPr>
+              <a:t>Identify and handle duplicate records</a:t>
+            </a:r>
+          </a:p>
+          <a:p>
+            <a:r>
+              <a:rPr sz="3000" i="1" dirty="0">
+                <a:latin typeface="Times New Roman" panose="02020603050405020304" pitchFamily="18" charset="0"/>
+                <a:cs typeface="Times New Roman" panose="02020603050405020304" pitchFamily="18" charset="0"/>
+              </a:rPr>
+              <a:t>Step 6: </a:t>
+            </a:r>
+            <a:r>
+              <a:rPr sz="3000" dirty="0">
+                <a:latin typeface="Times New Roman" panose="02020603050405020304" pitchFamily="18" charset="0"/>
+                <a:cs typeface="Times New Roman" panose="02020603050405020304" pitchFamily="18" charset="0"/>
+              </a:rPr>
+              <a:t>Clean null, empty, and invalid values</a:t>
+            </a:r>
+          </a:p>
+          <a:p>
+            <a:r>
+              <a:rPr sz="3000" i="1" dirty="0">
+                <a:latin typeface="Times New Roman" panose="02020603050405020304" pitchFamily="18" charset="0"/>
+                <a:cs typeface="Times New Roman" panose="02020603050405020304" pitchFamily="18" charset="0"/>
+              </a:rPr>
+              <a:t>Step 7: </a:t>
+            </a:r>
+            <a:r>
+              <a:rPr sz="3000" dirty="0">
+                <a:latin typeface="Times New Roman" panose="02020603050405020304" pitchFamily="18" charset="0"/>
+                <a:cs typeface="Times New Roman" panose="02020603050405020304" pitchFamily="18" charset="0"/>
+              </a:rPr>
+              <a:t>Save the cleaned dataset</a:t>
             </a:r>
           </a:p>
         </p:txBody>
@@ -3770,7 +4430,7 @@
 </file>
 
 <file path=ppt/slides/slide7.xml><?xml version="1.0" encoding="utf-8"?>
-<p:sld xmlns:a="http://schemas.openxmlformats.org/drawingml/2006/main" xmlns:p="http://schemas.openxmlformats.org/presentationml/2006/main" xmlns:r="http://schemas.openxmlformats.org/officeDocument/2006/relationships">
+<p:sld xmlns:a="http://schemas.openxmlformats.org/drawingml/2006/main" xmlns:r="http://schemas.openxmlformats.org/officeDocument/2006/relationships" xmlns:p="http://schemas.openxmlformats.org/presentationml/2006/main">
   <p:cSld>
     <p:spTree>
       <p:nvGrpSpPr>
@@ -3778,7 +4438,14 @@
         <p:cNvGrpSpPr/>
         <p:nvPr/>
       </p:nvGrpSpPr>
-      <p:grpSpPr/>
+      <p:grpSpPr>
+        <a:xfrm>
+          <a:off x="0" y="0"/>
+          <a:ext cx="0" cy="0"/>
+          <a:chOff x="0" y="0"/>
+          <a:chExt cx="0" cy="0"/>
+        </a:xfrm>
+      </p:grpSpPr>
       <p:sp>
         <p:nvSpPr>
           <p:cNvPr id="2" name="Title 1"/>
@@ -3789,13 +4456,25 @@
             <p:ph type="title"/>
           </p:nvPr>
         </p:nvSpPr>
-        <p:spPr/>
-        <p:txBody>
-          <a:bodyPr/>
-          <a:lstStyle/>
-          <a:p>
-            <a:r>
-              <a:t>Models</a:t>
+        <p:spPr>
+          <a:xfrm>
+            <a:off x="457200" y="94161"/>
+            <a:ext cx="8229600" cy="1143000"/>
+          </a:xfrm>
+        </p:spPr>
+        <p:txBody>
+          <a:bodyPr>
+            <a:normAutofit/>
+          </a:bodyPr>
+          <a:lstStyle/>
+          <a:p>
+            <a:pPr algn="l"/>
+            <a:r>
+              <a:rPr sz="3200" b="1" dirty="0">
+                <a:latin typeface="Times New Roman" panose="02020603050405020304" pitchFamily="18" charset="0"/>
+                <a:cs typeface="Times New Roman" panose="02020603050405020304" pitchFamily="18" charset="0"/>
+              </a:rPr>
+              <a:t>Preprocessing Techniques</a:t>
             </a:r>
           </a:p>
         </p:txBody>
@@ -3810,23 +4489,135 @@
             <p:ph idx="1"/>
           </p:nvPr>
         </p:nvSpPr>
-        <p:spPr/>
-        <p:txBody>
-          <a:bodyPr/>
-          <a:lstStyle/>
-          <a:p>
-            <a:r>
-              <a:t>• No machine learning models developed in this assignment</a:t>
-            </a:r>
-          </a:p>
-          <a:p>
-            <a:r>
-              <a:t>• Focus was on data preparation</a:t>
-            </a:r>
-          </a:p>
-          <a:p>
-            <a:r>
-              <a:t>• Models will be built in subsequent assignments using the cleaned data</a:t>
+        <p:spPr>
+          <a:xfrm>
+            <a:off x="445168" y="1419723"/>
+            <a:ext cx="8229600" cy="4983162"/>
+          </a:xfrm>
+        </p:spPr>
+        <p:txBody>
+          <a:bodyPr>
+            <a:noAutofit/>
+          </a:bodyPr>
+          <a:lstStyle/>
+          <a:p>
+            <a:pPr algn="just"/>
+            <a:r>
+              <a:rPr sz="3000" i="1" dirty="0">
+                <a:latin typeface="Times New Roman" panose="02020603050405020304" pitchFamily="18" charset="0"/>
+                <a:cs typeface="Times New Roman" panose="02020603050405020304" pitchFamily="18" charset="0"/>
+              </a:rPr>
+              <a:t>Missing Value Handling: </a:t>
+            </a:r>
+            <a:r>
+              <a:rPr sz="3000" dirty="0">
+                <a:latin typeface="Times New Roman" panose="02020603050405020304" pitchFamily="18" charset="0"/>
+                <a:cs typeface="Times New Roman" panose="02020603050405020304" pitchFamily="18" charset="0"/>
+              </a:rPr>
+              <a:t>Fill numeric </a:t>
+            </a:r>
+            <a:r>
+              <a:rPr sz="3000" dirty="0" err="1">
+                <a:latin typeface="Times New Roman" panose="02020603050405020304" pitchFamily="18" charset="0"/>
+                <a:cs typeface="Times New Roman" panose="02020603050405020304" pitchFamily="18" charset="0"/>
+              </a:rPr>
+              <a:t>NaNs</a:t>
+            </a:r>
+            <a:r>
+              <a:rPr sz="3000" dirty="0">
+                <a:latin typeface="Times New Roman" panose="02020603050405020304" pitchFamily="18" charset="0"/>
+                <a:cs typeface="Times New Roman" panose="02020603050405020304" pitchFamily="18" charset="0"/>
+              </a:rPr>
+              <a:t> with 0, object </a:t>
+            </a:r>
+            <a:r>
+              <a:rPr sz="3000" dirty="0" err="1">
+                <a:latin typeface="Times New Roman" panose="02020603050405020304" pitchFamily="18" charset="0"/>
+                <a:cs typeface="Times New Roman" panose="02020603050405020304" pitchFamily="18" charset="0"/>
+              </a:rPr>
+              <a:t>NaNs</a:t>
+            </a:r>
+            <a:r>
+              <a:rPr sz="3000" dirty="0">
+                <a:latin typeface="Times New Roman" panose="02020603050405020304" pitchFamily="18" charset="0"/>
+                <a:cs typeface="Times New Roman" panose="02020603050405020304" pitchFamily="18" charset="0"/>
+              </a:rPr>
+              <a:t> with '0'</a:t>
+            </a:r>
+          </a:p>
+          <a:p>
+            <a:pPr algn="just"/>
+            <a:r>
+              <a:rPr lang="en-US" sz="3000" i="1" dirty="0">
+                <a:latin typeface="Times New Roman" panose="02020603050405020304" pitchFamily="18" charset="0"/>
+                <a:cs typeface="Times New Roman" panose="02020603050405020304" pitchFamily="18" charset="0"/>
+              </a:rPr>
+              <a:t>S</a:t>
+            </a:r>
+            <a:r>
+              <a:rPr sz="3000" i="1" dirty="0">
+                <a:latin typeface="Times New Roman" panose="02020603050405020304" pitchFamily="18" charset="0"/>
+                <a:cs typeface="Times New Roman" panose="02020603050405020304" pitchFamily="18" charset="0"/>
+              </a:rPr>
+              <a:t>tring Cleaning: </a:t>
+            </a:r>
+            <a:r>
+              <a:rPr sz="3000" dirty="0">
+                <a:latin typeface="Times New Roman" panose="02020603050405020304" pitchFamily="18" charset="0"/>
+                <a:cs typeface="Times New Roman" panose="02020603050405020304" pitchFamily="18" charset="0"/>
+              </a:rPr>
+              <a:t>Strip whitespace and replace empty strings with '0'</a:t>
+            </a:r>
+          </a:p>
+          <a:p>
+            <a:pPr algn="just"/>
+            <a:r>
+              <a:rPr sz="3000" i="1" dirty="0">
+                <a:latin typeface="Times New Roman" panose="02020603050405020304" pitchFamily="18" charset="0"/>
+                <a:cs typeface="Times New Roman" panose="02020603050405020304" pitchFamily="18" charset="0"/>
+              </a:rPr>
+              <a:t>Duplicate Removal: </a:t>
+            </a:r>
+            <a:r>
+              <a:rPr sz="3000" dirty="0">
+                <a:latin typeface="Times New Roman" panose="02020603050405020304" pitchFamily="18" charset="0"/>
+                <a:cs typeface="Times New Roman" panose="02020603050405020304" pitchFamily="18" charset="0"/>
+              </a:rPr>
+              <a:t>Check for duplicate addresses (found 25 duplicates)</a:t>
+            </a:r>
+          </a:p>
+          <a:p>
+            <a:pPr algn="just"/>
+            <a:r>
+              <a:rPr sz="3000" i="1" dirty="0">
+                <a:latin typeface="Times New Roman" panose="02020603050405020304" pitchFamily="18" charset="0"/>
+                <a:cs typeface="Times New Roman" panose="02020603050405020304" pitchFamily="18" charset="0"/>
+              </a:rPr>
+              <a:t>Data Type Consistency: </a:t>
+            </a:r>
+            <a:r>
+              <a:rPr sz="3000" dirty="0">
+                <a:latin typeface="Times New Roman" panose="02020603050405020304" pitchFamily="18" charset="0"/>
+                <a:cs typeface="Times New Roman" panose="02020603050405020304" pitchFamily="18" charset="0"/>
+              </a:rPr>
+              <a:t>Ensure proper data types for analysis</a:t>
+            </a:r>
+          </a:p>
+          <a:p>
+            <a:pPr algn="just"/>
+            <a:r>
+              <a:rPr sz="3000" i="1" dirty="0">
+                <a:latin typeface="Times New Roman" panose="02020603050405020304" pitchFamily="18" charset="0"/>
+                <a:cs typeface="Times New Roman" panose="02020603050405020304" pitchFamily="18" charset="0"/>
+              </a:rPr>
+              <a:t>Column Standardization: </a:t>
+            </a:r>
+            <a:r>
+              <a:rPr sz="3000" dirty="0">
+                <a:latin typeface="Times New Roman" panose="02020603050405020304" pitchFamily="18" charset="0"/>
+                <a:cs typeface="Times New Roman" panose="02020603050405020304" pitchFamily="18" charset="0"/>
+              </a:rPr>
+              <a:t>Clean column names for consistency</a:t>
             </a:r>
           </a:p>
         </p:txBody>
@@ -3840,7 +4631,7 @@
 </file>
 
 <file path=ppt/slides/slide8.xml><?xml version="1.0" encoding="utf-8"?>
-<p:sld xmlns:a="http://schemas.openxmlformats.org/drawingml/2006/main" xmlns:p="http://schemas.openxmlformats.org/presentationml/2006/main" xmlns:r="http://schemas.openxmlformats.org/officeDocument/2006/relationships">
+<p:sld xmlns:a="http://schemas.openxmlformats.org/drawingml/2006/main" xmlns:r="http://schemas.openxmlformats.org/officeDocument/2006/relationships" xmlns:p="http://schemas.openxmlformats.org/presentationml/2006/main">
   <p:cSld>
     <p:spTree>
       <p:nvGrpSpPr>
@@ -3848,7 +4639,14 @@
         <p:cNvGrpSpPr/>
         <p:nvPr/>
       </p:nvGrpSpPr>
-      <p:grpSpPr/>
+      <p:grpSpPr>
+        <a:xfrm>
+          <a:off x="0" y="0"/>
+          <a:ext cx="0" cy="0"/>
+          <a:chOff x="0" y="0"/>
+          <a:chExt cx="0" cy="0"/>
+        </a:xfrm>
+      </p:grpSpPr>
       <p:sp>
         <p:nvSpPr>
           <p:cNvPr id="2" name="Title 1"/>
@@ -3861,11 +4659,18 @@
         </p:nvSpPr>
         <p:spPr/>
         <p:txBody>
-          <a:bodyPr/>
-          <a:lstStyle/>
-          <a:p>
-            <a:r>
-              <a:t>Results</a:t>
+          <a:bodyPr>
+            <a:normAutofit/>
+          </a:bodyPr>
+          <a:lstStyle/>
+          <a:p>
+            <a:pPr algn="l"/>
+            <a:r>
+              <a:rPr sz="3200" b="1" dirty="0">
+                <a:latin typeface="Times New Roman" panose="02020603050405020304" pitchFamily="18" charset="0"/>
+                <a:cs typeface="Times New Roman" panose="02020603050405020304" pitchFamily="18" charset="0"/>
+              </a:rPr>
+              <a:t>Models</a:t>
             </a:r>
           </a:p>
         </p:txBody>
@@ -3882,36 +4687,35 @@
         </p:nvSpPr>
         <p:spPr/>
         <p:txBody>
-          <a:bodyPr/>
-          <a:lstStyle/>
-          <a:p>
-            <a:r>
-              <a:t>• Dataset Shape: 9841 rows × 49 columns</a:t>
-            </a:r>
-          </a:p>
-          <a:p>
-            <a:r>
-              <a:t>• No duplicate records found across all columns</a:t>
-            </a:r>
-          </a:p>
-          <a:p>
-            <a:r>
-              <a:t>• 25 duplicate addresses identified</a:t>
-            </a:r>
-          </a:p>
-          <a:p>
-            <a:r>
-              <a:t>• Missing values handled appropriately</a:t>
-            </a:r>
-          </a:p>
-          <a:p>
-            <a:r>
-              <a:t>• Cleaned dataset saved as 'Cleaned_Ethereum_Fraud_Detection.csv'</a:t>
-            </a:r>
-          </a:p>
-          <a:p>
-            <a:r>
-              <a:t>• Data ready for exploratory data analysis</a:t>
+          <a:bodyPr>
+            <a:normAutofit/>
+          </a:bodyPr>
+          <a:lstStyle/>
+          <a:p>
+            <a:r>
+              <a:rPr sz="3000" dirty="0">
+                <a:latin typeface="Times New Roman" panose="02020603050405020304" pitchFamily="18" charset="0"/>
+                <a:cs typeface="Times New Roman" panose="02020603050405020304" pitchFamily="18" charset="0"/>
+              </a:rPr>
+              <a:t>No machine learning models developed in this assignment</a:t>
+            </a:r>
+          </a:p>
+          <a:p>
+            <a:r>
+              <a:rPr sz="3000" dirty="0">
+                <a:latin typeface="Times New Roman" panose="02020603050405020304" pitchFamily="18" charset="0"/>
+                <a:cs typeface="Times New Roman" panose="02020603050405020304" pitchFamily="18" charset="0"/>
+              </a:rPr>
+              <a:t>Focus was on data preparation</a:t>
+            </a:r>
+          </a:p>
+          <a:p>
+            <a:r>
+              <a:rPr sz="3000" dirty="0">
+                <a:latin typeface="Times New Roman" panose="02020603050405020304" pitchFamily="18" charset="0"/>
+                <a:cs typeface="Times New Roman" panose="02020603050405020304" pitchFamily="18" charset="0"/>
+              </a:rPr>
+              <a:t>Models will be built in subsequent assignments using the cleaned data</a:t>
             </a:r>
           </a:p>
         </p:txBody>
@@ -3925,7 +4729,7 @@
 </file>
 
 <file path=ppt/slides/slide9.xml><?xml version="1.0" encoding="utf-8"?>
-<p:sld xmlns:a="http://schemas.openxmlformats.org/drawingml/2006/main" xmlns:p="http://schemas.openxmlformats.org/presentationml/2006/main" xmlns:r="http://schemas.openxmlformats.org/officeDocument/2006/relationships">
+<p:sld xmlns:a="http://schemas.openxmlformats.org/drawingml/2006/main" xmlns:r="http://schemas.openxmlformats.org/officeDocument/2006/relationships" xmlns:p="http://schemas.openxmlformats.org/presentationml/2006/main">
   <p:cSld>
     <p:spTree>
       <p:nvGrpSpPr>
@@ -3933,7 +4737,14 @@
         <p:cNvGrpSpPr/>
         <p:nvPr/>
       </p:nvGrpSpPr>
-      <p:grpSpPr/>
+      <p:grpSpPr>
+        <a:xfrm>
+          <a:off x="0" y="0"/>
+          <a:ext cx="0" cy="0"/>
+          <a:chOff x="0" y="0"/>
+          <a:chExt cx="0" cy="0"/>
+        </a:xfrm>
+      </p:grpSpPr>
       <p:sp>
         <p:nvSpPr>
           <p:cNvPr id="2" name="Title 1"/>
@@ -3946,11 +4757,18 @@
         </p:nvSpPr>
         <p:spPr/>
         <p:txBody>
-          <a:bodyPr/>
-          <a:lstStyle/>
-          <a:p>
-            <a:r>
-              <a:t>Your Findings and Conclusions</a:t>
+          <a:bodyPr>
+            <a:normAutofit/>
+          </a:bodyPr>
+          <a:lstStyle/>
+          <a:p>
+            <a:pPr algn="l"/>
+            <a:r>
+              <a:rPr sz="3200" b="1" dirty="0">
+                <a:latin typeface="Times New Roman" panose="02020603050405020304" pitchFamily="18" charset="0"/>
+                <a:cs typeface="Times New Roman" panose="02020603050405020304" pitchFamily="18" charset="0"/>
+              </a:rPr>
+              <a:t>Results</a:t>
             </a:r>
           </a:p>
         </p:txBody>
@@ -3967,36 +4785,62 @@
         </p:nvSpPr>
         <p:spPr/>
         <p:txBody>
-          <a:bodyPr/>
-          <a:lstStyle/>
-          <a:p>
-            <a:r>
-              <a:t>• Dataset contains comprehensive transactional features</a:t>
-            </a:r>
-          </a:p>
-          <a:p>
-            <a:r>
-              <a:t>• Minimal data quality issues found</a:t>
-            </a:r>
-          </a:p>
-          <a:p>
-            <a:r>
-              <a:t>• FLAG column has no missing values, indicating reliable target variable</a:t>
-            </a:r>
-          </a:p>
-          <a:p>
-            <a:r>
-              <a:t>• ERC20 token interactions show some missing data patterns</a:t>
-            </a:r>
-          </a:p>
-          <a:p>
-            <a:r>
-              <a:t>• Data cleaning preserved all important information</a:t>
-            </a:r>
-          </a:p>
-          <a:p>
-            <a:r>
-              <a:t>• Foundation established for fraud detection analysis</a:t>
+          <a:bodyPr>
+            <a:normAutofit/>
+          </a:bodyPr>
+          <a:lstStyle/>
+          <a:p>
+            <a:r>
+              <a:rPr sz="3000" dirty="0">
+                <a:latin typeface="Times New Roman" panose="02020603050405020304" pitchFamily="18" charset="0"/>
+                <a:cs typeface="Times New Roman" panose="02020603050405020304" pitchFamily="18" charset="0"/>
+              </a:rPr>
+              <a:t>Dataset Shape: 9841 rows × 49 columns</a:t>
+            </a:r>
+          </a:p>
+          <a:p>
+            <a:r>
+              <a:rPr sz="3000" dirty="0">
+                <a:latin typeface="Times New Roman" panose="02020603050405020304" pitchFamily="18" charset="0"/>
+                <a:cs typeface="Times New Roman" panose="02020603050405020304" pitchFamily="18" charset="0"/>
+              </a:rPr>
+              <a:t>No duplicate records found across all columns</a:t>
+            </a:r>
+          </a:p>
+          <a:p>
+            <a:r>
+              <a:rPr sz="3000" dirty="0">
+                <a:latin typeface="Times New Roman" panose="02020603050405020304" pitchFamily="18" charset="0"/>
+                <a:cs typeface="Times New Roman" panose="02020603050405020304" pitchFamily="18" charset="0"/>
+              </a:rPr>
+              <a:t>25 duplicate addresses identified</a:t>
+            </a:r>
+          </a:p>
+          <a:p>
+            <a:r>
+              <a:rPr sz="3000" dirty="0">
+                <a:latin typeface="Times New Roman" panose="02020603050405020304" pitchFamily="18" charset="0"/>
+                <a:cs typeface="Times New Roman" panose="02020603050405020304" pitchFamily="18" charset="0"/>
+              </a:rPr>
+              <a:t>Missing values handled appropriately</a:t>
+            </a:r>
+          </a:p>
+          <a:p>
+            <a:r>
+              <a:rPr sz="3000" dirty="0">
+                <a:latin typeface="Times New Roman" panose="02020603050405020304" pitchFamily="18" charset="0"/>
+                <a:cs typeface="Times New Roman" panose="02020603050405020304" pitchFamily="18" charset="0"/>
+              </a:rPr>
+              <a:t>Cleaned dataset saved as 'Cleaned_Ethereum_Fraud_Detection.csv'</a:t>
+            </a:r>
+          </a:p>
+          <a:p>
+            <a:r>
+              <a:rPr sz="3000" dirty="0">
+                <a:latin typeface="Times New Roman" panose="02020603050405020304" pitchFamily="18" charset="0"/>
+                <a:cs typeface="Times New Roman" panose="02020603050405020304" pitchFamily="18" charset="0"/>
+              </a:rPr>
+              <a:t>Data ready for exploratory data analysis</a:t>
             </a:r>
           </a:p>
         </p:txBody>
